--- a/Datathon Final dataset/Central election 2074/gandaki/Presentation.pptx
+++ b/Datathon Final dataset/Central election 2074/gandaki/Presentation.pptx
@@ -7,22 +7,30 @@
   <p:sldIdLst>
     <p:sldId id="256" r:id="rId2"/>
     <p:sldId id="257" r:id="rId3"/>
-    <p:sldId id="258" r:id="rId4"/>
-    <p:sldId id="259" r:id="rId5"/>
-    <p:sldId id="261" r:id="rId6"/>
-    <p:sldId id="262" r:id="rId7"/>
-    <p:sldId id="264" r:id="rId8"/>
-    <p:sldId id="265" r:id="rId9"/>
-    <p:sldId id="266" r:id="rId10"/>
-    <p:sldId id="267" r:id="rId11"/>
-    <p:sldId id="268" r:id="rId12"/>
-    <p:sldId id="269" r:id="rId13"/>
-    <p:sldId id="270" r:id="rId14"/>
-    <p:sldId id="271" r:id="rId15"/>
-    <p:sldId id="272" r:id="rId16"/>
-    <p:sldId id="273" r:id="rId17"/>
-    <p:sldId id="274" r:id="rId18"/>
-    <p:sldId id="275" r:id="rId19"/>
+    <p:sldId id="277" r:id="rId4"/>
+    <p:sldId id="258" r:id="rId5"/>
+    <p:sldId id="259" r:id="rId6"/>
+    <p:sldId id="261" r:id="rId7"/>
+    <p:sldId id="278" r:id="rId8"/>
+    <p:sldId id="262" r:id="rId9"/>
+    <p:sldId id="264" r:id="rId10"/>
+    <p:sldId id="279" r:id="rId11"/>
+    <p:sldId id="265" r:id="rId12"/>
+    <p:sldId id="266" r:id="rId13"/>
+    <p:sldId id="280" r:id="rId14"/>
+    <p:sldId id="267" r:id="rId15"/>
+    <p:sldId id="268" r:id="rId16"/>
+    <p:sldId id="281" r:id="rId17"/>
+    <p:sldId id="269" r:id="rId18"/>
+    <p:sldId id="270" r:id="rId19"/>
+    <p:sldId id="282" r:id="rId20"/>
+    <p:sldId id="271" r:id="rId21"/>
+    <p:sldId id="272" r:id="rId22"/>
+    <p:sldId id="283" r:id="rId23"/>
+    <p:sldId id="273" r:id="rId24"/>
+    <p:sldId id="274" r:id="rId25"/>
+    <p:sldId id="284" r:id="rId26"/>
+    <p:sldId id="275" r:id="rId27"/>
   </p:sldIdLst>
   <p:sldSz cx="12192000" cy="6858000"/>
   <p:notesSz cx="6858000" cy="9144000"/>
@@ -121,6 +129,11 @@
       </a:defRPr>
     </a:lvl9pPr>
   </p:defaultTextStyle>
+  <p:extLst>
+    <p:ext uri="{EFAFB233-063F-42B5-8137-9DF3F51BA10A}">
+      <p15:sldGuideLst xmlns:p15="http://schemas.microsoft.com/office/powerpoint/2012/main"/>
+    </p:ext>
+  </p:extLst>
 </p:presentation>
 </file>
 
@@ -5724,6 +5737,940 @@
           </a:p>
         </p:txBody>
       </p:sp>
+      <p:sp>
+        <p:nvSpPr>
+          <p:cNvPr id="3" name="Content Placeholder 2"/>
+          <p:cNvSpPr>
+            <a:spLocks noGrp="1"/>
+          </p:cNvSpPr>
+          <p:nvPr>
+            <p:ph idx="1"/>
+          </p:nvPr>
+        </p:nvSpPr>
+        <p:spPr>
+          <a:xfrm>
+            <a:off x="684212" y="685801"/>
+            <a:ext cx="5042333" cy="1549400"/>
+          </a:xfrm>
+        </p:spPr>
+        <p:txBody>
+          <a:bodyPr>
+            <a:normAutofit fontScale="92500"/>
+          </a:bodyPr>
+          <a:lstStyle/>
+          <a:p>
+            <a:pPr marL="0" indent="0">
+              <a:buNone/>
+            </a:pPr>
+            <a:r>
+              <a:rPr lang="en-US" sz="4000" dirty="0" smtClean="0"/>
+              <a:t>KASKI </a:t>
+            </a:r>
+            <a:r>
+              <a:rPr lang="en-US" sz="4000" dirty="0" smtClean="0"/>
+              <a:t>UNCLEANED DATA </a:t>
+            </a:r>
+            <a:r>
+              <a:rPr lang="en-US" sz="4000" dirty="0" smtClean="0"/>
+              <a:t>FROM AREA 3:</a:t>
+            </a:r>
+          </a:p>
+        </p:txBody>
+      </p:sp>
+      <p:pic>
+        <p:nvPicPr>
+          <p:cNvPr id="5" name="Picture 4"/>
+          <p:cNvPicPr>
+            <a:picLocks noChangeAspect="1"/>
+          </p:cNvPicPr>
+          <p:nvPr/>
+        </p:nvPicPr>
+        <p:blipFill>
+          <a:blip r:embed="rId2"/>
+          <a:stretch>
+            <a:fillRect/>
+          </a:stretch>
+        </p:blipFill>
+        <p:spPr>
+          <a:xfrm>
+            <a:off x="192989" y="2351237"/>
+            <a:ext cx="11898385" cy="4058216"/>
+          </a:xfrm>
+          <a:prstGeom prst="rect">
+            <a:avLst/>
+          </a:prstGeom>
+        </p:spPr>
+      </p:pic>
+    </p:spTree>
+    <p:extLst>
+      <p:ext uri="{BB962C8B-B14F-4D97-AF65-F5344CB8AC3E}">
+        <p14:creationId xmlns:p14="http://schemas.microsoft.com/office/powerpoint/2010/main" val="489768079"/>
+      </p:ext>
+    </p:extLst>
+  </p:cSld>
+  <p:clrMapOvr>
+    <a:masterClrMapping/>
+  </p:clrMapOvr>
+  <p:timing>
+    <p:tnLst>
+      <p:par>
+        <p:cTn id="1" dur="indefinite" restart="never" nodeType="tmRoot">
+          <p:childTnLst>
+            <p:seq concurrent="1" nextAc="seek">
+              <p:cTn id="2" dur="indefinite" nodeType="mainSeq">
+                <p:childTnLst>
+                  <p:par>
+                    <p:cTn id="3" fill="hold">
+                      <p:stCondLst>
+                        <p:cond delay="indefinite"/>
+                      </p:stCondLst>
+                      <p:childTnLst>
+                        <p:par>
+                          <p:cTn id="4" fill="hold">
+                            <p:stCondLst>
+                              <p:cond delay="0"/>
+                            </p:stCondLst>
+                            <p:childTnLst>
+                              <p:par>
+                                <p:cTn id="5" presetID="16" presetClass="entr" presetSubtype="21" fill="hold" grpId="0" nodeType="clickEffect">
+                                  <p:stCondLst>
+                                    <p:cond delay="0"/>
+                                  </p:stCondLst>
+                                  <p:childTnLst>
+                                    <p:set>
+                                      <p:cBhvr>
+                                        <p:cTn id="6" dur="1" fill="hold">
+                                          <p:stCondLst>
+                                            <p:cond delay="0"/>
+                                          </p:stCondLst>
+                                        </p:cTn>
+                                        <p:tgtEl>
+                                          <p:spTgt spid="3">
+                                            <p:txEl>
+                                              <p:pRg st="0" end="0"/>
+                                            </p:txEl>
+                                          </p:spTgt>
+                                        </p:tgtEl>
+                                        <p:attrNameLst>
+                                          <p:attrName>style.visibility</p:attrName>
+                                        </p:attrNameLst>
+                                      </p:cBhvr>
+                                      <p:to>
+                                        <p:strVal val="visible"/>
+                                      </p:to>
+                                    </p:set>
+                                    <p:animEffect transition="in" filter="barn(inVertical)">
+                                      <p:cBhvr>
+                                        <p:cTn id="7" dur="500"/>
+                                        <p:tgtEl>
+                                          <p:spTgt spid="3">
+                                            <p:txEl>
+                                              <p:pRg st="0" end="0"/>
+                                            </p:txEl>
+                                          </p:spTgt>
+                                        </p:tgtEl>
+                                      </p:cBhvr>
+                                    </p:animEffect>
+                                  </p:childTnLst>
+                                </p:cTn>
+                              </p:par>
+                            </p:childTnLst>
+                          </p:cTn>
+                        </p:par>
+                      </p:childTnLst>
+                    </p:cTn>
+                  </p:par>
+                </p:childTnLst>
+              </p:cTn>
+              <p:prevCondLst>
+                <p:cond evt="onPrev" delay="0">
+                  <p:tgtEl>
+                    <p:sldTgt/>
+                  </p:tgtEl>
+                </p:cond>
+              </p:prevCondLst>
+              <p:nextCondLst>
+                <p:cond evt="onNext" delay="0">
+                  <p:tgtEl>
+                    <p:sldTgt/>
+                  </p:tgtEl>
+                </p:cond>
+              </p:nextCondLst>
+            </p:seq>
+          </p:childTnLst>
+        </p:cTn>
+      </p:par>
+    </p:tnLst>
+    <p:bldLst>
+      <p:bldP spid="3" grpId="0" build="p"/>
+    </p:bldLst>
+  </p:timing>
+</p:sld>
+</file>
+
+<file path=ppt/slides/slide11.xml><?xml version="1.0" encoding="utf-8"?>
+<p:sld xmlns:a="http://schemas.openxmlformats.org/drawingml/2006/main" xmlns:r="http://schemas.openxmlformats.org/officeDocument/2006/relationships" xmlns:p="http://schemas.openxmlformats.org/presentationml/2006/main">
+  <p:cSld>
+    <p:spTree>
+      <p:nvGrpSpPr>
+        <p:cNvPr id="1" name=""/>
+        <p:cNvGrpSpPr/>
+        <p:nvPr/>
+      </p:nvGrpSpPr>
+      <p:grpSpPr>
+        <a:xfrm>
+          <a:off x="0" y="0"/>
+          <a:ext cx="0" cy="0"/>
+          <a:chOff x="0" y="0"/>
+          <a:chExt cx="0" cy="0"/>
+        </a:xfrm>
+      </p:grpSpPr>
+      <p:pic>
+        <p:nvPicPr>
+          <p:cNvPr id="4" name="Content Placeholder 3"/>
+          <p:cNvPicPr>
+            <a:picLocks noGrp="1" noChangeAspect="1"/>
+          </p:cNvPicPr>
+          <p:nvPr>
+            <p:ph idx="1"/>
+          </p:nvPr>
+        </p:nvPicPr>
+        <p:blipFill>
+          <a:blip r:embed="rId2">
+            <a:extLst>
+              <a:ext uri="{28A0092B-C50C-407E-A947-70E740481C1C}">
+                <a14:useLocalDpi xmlns:a14="http://schemas.microsoft.com/office/drawing/2010/main" val="0"/>
+              </a:ext>
+            </a:extLst>
+          </a:blip>
+          <a:stretch>
+            <a:fillRect/>
+          </a:stretch>
+        </p:blipFill>
+        <p:spPr>
+          <a:xfrm>
+            <a:off x="3050328" y="685800"/>
+            <a:ext cx="5962757" cy="5668818"/>
+          </a:xfrm>
+        </p:spPr>
+      </p:pic>
+    </p:spTree>
+    <p:extLst>
+      <p:ext uri="{BB962C8B-B14F-4D97-AF65-F5344CB8AC3E}">
+        <p14:creationId xmlns:p14="http://schemas.microsoft.com/office/powerpoint/2010/main" val="2907225602"/>
+      </p:ext>
+    </p:extLst>
+  </p:cSld>
+  <p:clrMapOvr>
+    <a:masterClrMapping/>
+  </p:clrMapOvr>
+  <p:timing>
+    <p:tnLst>
+      <p:par>
+        <p:cTn id="1" dur="indefinite" restart="never" nodeType="tmRoot">
+          <p:childTnLst>
+            <p:seq concurrent="1" nextAc="seek">
+              <p:cTn id="2" dur="indefinite" nodeType="mainSeq">
+                <p:childTnLst>
+                  <p:par>
+                    <p:cTn id="3" fill="hold">
+                      <p:stCondLst>
+                        <p:cond delay="indefinite"/>
+                      </p:stCondLst>
+                      <p:childTnLst>
+                        <p:par>
+                          <p:cTn id="4" fill="hold">
+                            <p:stCondLst>
+                              <p:cond delay="0"/>
+                            </p:stCondLst>
+                            <p:childTnLst>
+                              <p:par>
+                                <p:cTn id="5" presetID="53" presetClass="entr" presetSubtype="16" fill="hold" nodeType="clickEffect">
+                                  <p:stCondLst>
+                                    <p:cond delay="0"/>
+                                  </p:stCondLst>
+                                  <p:childTnLst>
+                                    <p:set>
+                                      <p:cBhvr>
+                                        <p:cTn id="6" dur="1" fill="hold">
+                                          <p:stCondLst>
+                                            <p:cond delay="0"/>
+                                          </p:stCondLst>
+                                        </p:cTn>
+                                        <p:tgtEl>
+                                          <p:spTgt spid="4"/>
+                                        </p:tgtEl>
+                                        <p:attrNameLst>
+                                          <p:attrName>style.visibility</p:attrName>
+                                        </p:attrNameLst>
+                                      </p:cBhvr>
+                                      <p:to>
+                                        <p:strVal val="visible"/>
+                                      </p:to>
+                                    </p:set>
+                                    <p:anim calcmode="lin" valueType="num">
+                                      <p:cBhvr>
+                                        <p:cTn id="7" dur="500" fill="hold"/>
+                                        <p:tgtEl>
+                                          <p:spTgt spid="4"/>
+                                        </p:tgtEl>
+                                        <p:attrNameLst>
+                                          <p:attrName>ppt_w</p:attrName>
+                                        </p:attrNameLst>
+                                      </p:cBhvr>
+                                      <p:tavLst>
+                                        <p:tav tm="0">
+                                          <p:val>
+                                            <p:fltVal val="0"/>
+                                          </p:val>
+                                        </p:tav>
+                                        <p:tav tm="100000">
+                                          <p:val>
+                                            <p:strVal val="#ppt_w"/>
+                                          </p:val>
+                                        </p:tav>
+                                      </p:tavLst>
+                                    </p:anim>
+                                    <p:anim calcmode="lin" valueType="num">
+                                      <p:cBhvr>
+                                        <p:cTn id="8" dur="500" fill="hold"/>
+                                        <p:tgtEl>
+                                          <p:spTgt spid="4"/>
+                                        </p:tgtEl>
+                                        <p:attrNameLst>
+                                          <p:attrName>ppt_h</p:attrName>
+                                        </p:attrNameLst>
+                                      </p:cBhvr>
+                                      <p:tavLst>
+                                        <p:tav tm="0">
+                                          <p:val>
+                                            <p:fltVal val="0"/>
+                                          </p:val>
+                                        </p:tav>
+                                        <p:tav tm="100000">
+                                          <p:val>
+                                            <p:strVal val="#ppt_h"/>
+                                          </p:val>
+                                        </p:tav>
+                                      </p:tavLst>
+                                    </p:anim>
+                                    <p:animEffect transition="in" filter="fade">
+                                      <p:cBhvr>
+                                        <p:cTn id="9" dur="500"/>
+                                        <p:tgtEl>
+                                          <p:spTgt spid="4"/>
+                                        </p:tgtEl>
+                                      </p:cBhvr>
+                                    </p:animEffect>
+                                  </p:childTnLst>
+                                </p:cTn>
+                              </p:par>
+                            </p:childTnLst>
+                          </p:cTn>
+                        </p:par>
+                      </p:childTnLst>
+                    </p:cTn>
+                  </p:par>
+                </p:childTnLst>
+              </p:cTn>
+              <p:prevCondLst>
+                <p:cond evt="onPrev" delay="0">
+                  <p:tgtEl>
+                    <p:sldTgt/>
+                  </p:tgtEl>
+                </p:cond>
+              </p:prevCondLst>
+              <p:nextCondLst>
+                <p:cond evt="onNext" delay="0">
+                  <p:tgtEl>
+                    <p:sldTgt/>
+                  </p:tgtEl>
+                </p:cond>
+              </p:nextCondLst>
+            </p:seq>
+          </p:childTnLst>
+        </p:cTn>
+      </p:par>
+    </p:tnLst>
+  </p:timing>
+</p:sld>
+</file>
+
+<file path=ppt/slides/slide12.xml><?xml version="1.0" encoding="utf-8"?>
+<p:sld xmlns:a="http://schemas.openxmlformats.org/drawingml/2006/main" xmlns:r="http://schemas.openxmlformats.org/officeDocument/2006/relationships" xmlns:p="http://schemas.openxmlformats.org/presentationml/2006/main">
+  <p:cSld>
+    <p:spTree>
+      <p:nvGrpSpPr>
+        <p:cNvPr id="1" name=""/>
+        <p:cNvGrpSpPr/>
+        <p:nvPr/>
+      </p:nvGrpSpPr>
+      <p:grpSpPr>
+        <a:xfrm>
+          <a:off x="0" y="0"/>
+          <a:ext cx="0" cy="0"/>
+          <a:chOff x="0" y="0"/>
+          <a:chExt cx="0" cy="0"/>
+        </a:xfrm>
+      </p:grpSpPr>
+      <p:sp>
+        <p:nvSpPr>
+          <p:cNvPr id="2" name="Title 1"/>
+          <p:cNvSpPr>
+            <a:spLocks noGrp="1"/>
+          </p:cNvSpPr>
+          <p:nvPr>
+            <p:ph type="title"/>
+          </p:nvPr>
+        </p:nvSpPr>
+        <p:spPr/>
+        <p:txBody>
+          <a:bodyPr/>
+          <a:lstStyle/>
+          <a:p>
+            <a:endParaRPr lang="en-US"/>
+          </a:p>
+        </p:txBody>
+      </p:sp>
+      <p:sp>
+        <p:nvSpPr>
+          <p:cNvPr id="3" name="Content Placeholder 2"/>
+          <p:cNvSpPr>
+            <a:spLocks noGrp="1"/>
+          </p:cNvSpPr>
+          <p:nvPr>
+            <p:ph idx="1"/>
+          </p:nvPr>
+        </p:nvSpPr>
+        <p:spPr>
+          <a:xfrm>
+            <a:off x="684212" y="685801"/>
+            <a:ext cx="3924733" cy="1549400"/>
+          </a:xfrm>
+        </p:spPr>
+        <p:txBody>
+          <a:bodyPr>
+            <a:normAutofit fontScale="77500" lnSpcReduction="20000"/>
+          </a:bodyPr>
+          <a:lstStyle/>
+          <a:p>
+            <a:pPr marL="0" indent="0">
+              <a:buNone/>
+            </a:pPr>
+            <a:r>
+              <a:rPr lang="en-US" sz="4000" dirty="0" smtClean="0"/>
+              <a:t>SYANGJYA UNCLEANED </a:t>
+            </a:r>
+            <a:r>
+              <a:rPr lang="en-US" sz="4000" dirty="0" smtClean="0"/>
+              <a:t>DATA FROM AREA 1:</a:t>
+            </a:r>
+          </a:p>
+        </p:txBody>
+      </p:sp>
+      <p:pic>
+        <p:nvPicPr>
+          <p:cNvPr id="4" name="Picture 3"/>
+          <p:cNvPicPr>
+            <a:picLocks noChangeAspect="1"/>
+          </p:cNvPicPr>
+          <p:nvPr/>
+        </p:nvPicPr>
+        <p:blipFill>
+          <a:blip r:embed="rId2"/>
+          <a:stretch>
+            <a:fillRect/>
+          </a:stretch>
+        </p:blipFill>
+        <p:spPr>
+          <a:xfrm>
+            <a:off x="339488" y="2713860"/>
+            <a:ext cx="11679280" cy="2686425"/>
+          </a:xfrm>
+          <a:prstGeom prst="rect">
+            <a:avLst/>
+          </a:prstGeom>
+        </p:spPr>
+      </p:pic>
+    </p:spTree>
+    <p:extLst>
+      <p:ext uri="{BB962C8B-B14F-4D97-AF65-F5344CB8AC3E}">
+        <p14:creationId xmlns:p14="http://schemas.microsoft.com/office/powerpoint/2010/main" val="2653211240"/>
+      </p:ext>
+    </p:extLst>
+  </p:cSld>
+  <p:clrMapOvr>
+    <a:masterClrMapping/>
+  </p:clrMapOvr>
+  <p:timing>
+    <p:tnLst>
+      <p:par>
+        <p:cTn id="1" dur="indefinite" restart="never" nodeType="tmRoot">
+          <p:childTnLst>
+            <p:seq concurrent="1" nextAc="seek">
+              <p:cTn id="2" dur="indefinite" nodeType="mainSeq">
+                <p:childTnLst>
+                  <p:par>
+                    <p:cTn id="3" fill="hold">
+                      <p:stCondLst>
+                        <p:cond delay="indefinite"/>
+                      </p:stCondLst>
+                      <p:childTnLst>
+                        <p:par>
+                          <p:cTn id="4" fill="hold">
+                            <p:stCondLst>
+                              <p:cond delay="0"/>
+                            </p:stCondLst>
+                            <p:childTnLst>
+                              <p:par>
+                                <p:cTn id="5" presetID="2" presetClass="entr" presetSubtype="4" fill="hold" grpId="0" nodeType="clickEffect">
+                                  <p:stCondLst>
+                                    <p:cond delay="0"/>
+                                  </p:stCondLst>
+                                  <p:childTnLst>
+                                    <p:set>
+                                      <p:cBhvr>
+                                        <p:cTn id="6" dur="1" fill="hold">
+                                          <p:stCondLst>
+                                            <p:cond delay="0"/>
+                                          </p:stCondLst>
+                                        </p:cTn>
+                                        <p:tgtEl>
+                                          <p:spTgt spid="3">
+                                            <p:txEl>
+                                              <p:pRg st="0" end="0"/>
+                                            </p:txEl>
+                                          </p:spTgt>
+                                        </p:tgtEl>
+                                        <p:attrNameLst>
+                                          <p:attrName>style.visibility</p:attrName>
+                                        </p:attrNameLst>
+                                      </p:cBhvr>
+                                      <p:to>
+                                        <p:strVal val="visible"/>
+                                      </p:to>
+                                    </p:set>
+                                    <p:anim calcmode="lin" valueType="num">
+                                      <p:cBhvr additive="base">
+                                        <p:cTn id="7" dur="500" fill="hold"/>
+                                        <p:tgtEl>
+                                          <p:spTgt spid="3">
+                                            <p:txEl>
+                                              <p:pRg st="0" end="0"/>
+                                            </p:txEl>
+                                          </p:spTgt>
+                                        </p:tgtEl>
+                                        <p:attrNameLst>
+                                          <p:attrName>ppt_x</p:attrName>
+                                        </p:attrNameLst>
+                                      </p:cBhvr>
+                                      <p:tavLst>
+                                        <p:tav tm="0">
+                                          <p:val>
+                                            <p:strVal val="#ppt_x"/>
+                                          </p:val>
+                                        </p:tav>
+                                        <p:tav tm="100000">
+                                          <p:val>
+                                            <p:strVal val="#ppt_x"/>
+                                          </p:val>
+                                        </p:tav>
+                                      </p:tavLst>
+                                    </p:anim>
+                                    <p:anim calcmode="lin" valueType="num">
+                                      <p:cBhvr additive="base">
+                                        <p:cTn id="8" dur="500" fill="hold"/>
+                                        <p:tgtEl>
+                                          <p:spTgt spid="3">
+                                            <p:txEl>
+                                              <p:pRg st="0" end="0"/>
+                                            </p:txEl>
+                                          </p:spTgt>
+                                        </p:tgtEl>
+                                        <p:attrNameLst>
+                                          <p:attrName>ppt_y</p:attrName>
+                                        </p:attrNameLst>
+                                      </p:cBhvr>
+                                      <p:tavLst>
+                                        <p:tav tm="0">
+                                          <p:val>
+                                            <p:strVal val="1+#ppt_h/2"/>
+                                          </p:val>
+                                        </p:tav>
+                                        <p:tav tm="100000">
+                                          <p:val>
+                                            <p:strVal val="#ppt_y"/>
+                                          </p:val>
+                                        </p:tav>
+                                      </p:tavLst>
+                                    </p:anim>
+                                  </p:childTnLst>
+                                </p:cTn>
+                              </p:par>
+                            </p:childTnLst>
+                          </p:cTn>
+                        </p:par>
+                      </p:childTnLst>
+                    </p:cTn>
+                  </p:par>
+                </p:childTnLst>
+              </p:cTn>
+              <p:prevCondLst>
+                <p:cond evt="onPrev" delay="0">
+                  <p:tgtEl>
+                    <p:sldTgt/>
+                  </p:tgtEl>
+                </p:cond>
+              </p:prevCondLst>
+              <p:nextCondLst>
+                <p:cond evt="onNext" delay="0">
+                  <p:tgtEl>
+                    <p:sldTgt/>
+                  </p:tgtEl>
+                </p:cond>
+              </p:nextCondLst>
+            </p:seq>
+          </p:childTnLst>
+        </p:cTn>
+      </p:par>
+    </p:tnLst>
+    <p:bldLst>
+      <p:bldP spid="3" grpId="0" build="p"/>
+    </p:bldLst>
+  </p:timing>
+</p:sld>
+</file>
+
+<file path=ppt/slides/slide13.xml><?xml version="1.0" encoding="utf-8"?>
+<p:sld xmlns:a="http://schemas.openxmlformats.org/drawingml/2006/main" xmlns:r="http://schemas.openxmlformats.org/officeDocument/2006/relationships" xmlns:p="http://schemas.openxmlformats.org/presentationml/2006/main">
+  <p:cSld>
+    <p:spTree>
+      <p:nvGrpSpPr>
+        <p:cNvPr id="1" name=""/>
+        <p:cNvGrpSpPr/>
+        <p:nvPr/>
+      </p:nvGrpSpPr>
+      <p:grpSpPr>
+        <a:xfrm>
+          <a:off x="0" y="0"/>
+          <a:ext cx="0" cy="0"/>
+          <a:chOff x="0" y="0"/>
+          <a:chExt cx="0" cy="0"/>
+        </a:xfrm>
+      </p:grpSpPr>
+      <p:sp>
+        <p:nvSpPr>
+          <p:cNvPr id="2" name="Title 1"/>
+          <p:cNvSpPr>
+            <a:spLocks noGrp="1"/>
+          </p:cNvSpPr>
+          <p:nvPr>
+            <p:ph type="title"/>
+          </p:nvPr>
+        </p:nvSpPr>
+        <p:spPr/>
+        <p:txBody>
+          <a:bodyPr/>
+          <a:lstStyle/>
+          <a:p>
+            <a:endParaRPr lang="en-US"/>
+          </a:p>
+        </p:txBody>
+      </p:sp>
+      <p:sp>
+        <p:nvSpPr>
+          <p:cNvPr id="3" name="Content Placeholder 2"/>
+          <p:cNvSpPr>
+            <a:spLocks noGrp="1"/>
+          </p:cNvSpPr>
+          <p:nvPr>
+            <p:ph idx="1"/>
+          </p:nvPr>
+        </p:nvSpPr>
+        <p:spPr>
+          <a:xfrm>
+            <a:off x="684212" y="685801"/>
+            <a:ext cx="3924733" cy="1549400"/>
+          </a:xfrm>
+        </p:spPr>
+        <p:txBody>
+          <a:bodyPr>
+            <a:normAutofit fontScale="92500" lnSpcReduction="20000"/>
+          </a:bodyPr>
+          <a:lstStyle/>
+          <a:p>
+            <a:pPr marL="0" indent="0">
+              <a:buNone/>
+            </a:pPr>
+            <a:r>
+              <a:rPr lang="en-US" sz="4000" dirty="0" smtClean="0"/>
+              <a:t>SYANGJYA DATA FROM AREA 1:</a:t>
+            </a:r>
+          </a:p>
+        </p:txBody>
+      </p:sp>
+      <p:pic>
+        <p:nvPicPr>
+          <p:cNvPr id="5" name="Picture 4"/>
+          <p:cNvPicPr>
+            <a:picLocks noChangeAspect="1"/>
+          </p:cNvPicPr>
+          <p:nvPr/>
+        </p:nvPicPr>
+        <p:blipFill>
+          <a:blip r:embed="rId2"/>
+          <a:stretch>
+            <a:fillRect/>
+          </a:stretch>
+        </p:blipFill>
+        <p:spPr>
+          <a:xfrm>
+            <a:off x="394492" y="2776196"/>
+            <a:ext cx="11403016" cy="2838846"/>
+          </a:xfrm>
+          <a:prstGeom prst="rect">
+            <a:avLst/>
+          </a:prstGeom>
+        </p:spPr>
+      </p:pic>
+    </p:spTree>
+    <p:extLst>
+      <p:ext uri="{BB962C8B-B14F-4D97-AF65-F5344CB8AC3E}">
+        <p14:creationId xmlns:p14="http://schemas.microsoft.com/office/powerpoint/2010/main" val="3660966437"/>
+      </p:ext>
+    </p:extLst>
+  </p:cSld>
+  <p:clrMapOvr>
+    <a:masterClrMapping/>
+  </p:clrMapOvr>
+  <p:timing>
+    <p:tnLst>
+      <p:par>
+        <p:cTn id="1" dur="indefinite" restart="never" nodeType="tmRoot">
+          <p:childTnLst>
+            <p:seq concurrent="1" nextAc="seek">
+              <p:cTn id="2" dur="indefinite" nodeType="mainSeq">
+                <p:childTnLst>
+                  <p:par>
+                    <p:cTn id="3" fill="hold">
+                      <p:stCondLst>
+                        <p:cond delay="indefinite"/>
+                      </p:stCondLst>
+                      <p:childTnLst>
+                        <p:par>
+                          <p:cTn id="4" fill="hold">
+                            <p:stCondLst>
+                              <p:cond delay="0"/>
+                            </p:stCondLst>
+                            <p:childTnLst>
+                              <p:par>
+                                <p:cTn id="5" presetID="2" presetClass="entr" presetSubtype="4" fill="hold" grpId="0" nodeType="clickEffect">
+                                  <p:stCondLst>
+                                    <p:cond delay="0"/>
+                                  </p:stCondLst>
+                                  <p:childTnLst>
+                                    <p:set>
+                                      <p:cBhvr>
+                                        <p:cTn id="6" dur="1" fill="hold">
+                                          <p:stCondLst>
+                                            <p:cond delay="0"/>
+                                          </p:stCondLst>
+                                        </p:cTn>
+                                        <p:tgtEl>
+                                          <p:spTgt spid="3">
+                                            <p:txEl>
+                                              <p:pRg st="0" end="0"/>
+                                            </p:txEl>
+                                          </p:spTgt>
+                                        </p:tgtEl>
+                                        <p:attrNameLst>
+                                          <p:attrName>style.visibility</p:attrName>
+                                        </p:attrNameLst>
+                                      </p:cBhvr>
+                                      <p:to>
+                                        <p:strVal val="visible"/>
+                                      </p:to>
+                                    </p:set>
+                                    <p:anim calcmode="lin" valueType="num">
+                                      <p:cBhvr additive="base">
+                                        <p:cTn id="7" dur="500" fill="hold"/>
+                                        <p:tgtEl>
+                                          <p:spTgt spid="3">
+                                            <p:txEl>
+                                              <p:pRg st="0" end="0"/>
+                                            </p:txEl>
+                                          </p:spTgt>
+                                        </p:tgtEl>
+                                        <p:attrNameLst>
+                                          <p:attrName>ppt_x</p:attrName>
+                                        </p:attrNameLst>
+                                      </p:cBhvr>
+                                      <p:tavLst>
+                                        <p:tav tm="0">
+                                          <p:val>
+                                            <p:strVal val="#ppt_x"/>
+                                          </p:val>
+                                        </p:tav>
+                                        <p:tav tm="100000">
+                                          <p:val>
+                                            <p:strVal val="#ppt_x"/>
+                                          </p:val>
+                                        </p:tav>
+                                      </p:tavLst>
+                                    </p:anim>
+                                    <p:anim calcmode="lin" valueType="num">
+                                      <p:cBhvr additive="base">
+                                        <p:cTn id="8" dur="500" fill="hold"/>
+                                        <p:tgtEl>
+                                          <p:spTgt spid="3">
+                                            <p:txEl>
+                                              <p:pRg st="0" end="0"/>
+                                            </p:txEl>
+                                          </p:spTgt>
+                                        </p:tgtEl>
+                                        <p:attrNameLst>
+                                          <p:attrName>ppt_y</p:attrName>
+                                        </p:attrNameLst>
+                                      </p:cBhvr>
+                                      <p:tavLst>
+                                        <p:tav tm="0">
+                                          <p:val>
+                                            <p:strVal val="1+#ppt_h/2"/>
+                                          </p:val>
+                                        </p:tav>
+                                        <p:tav tm="100000">
+                                          <p:val>
+                                            <p:strVal val="#ppt_y"/>
+                                          </p:val>
+                                        </p:tav>
+                                      </p:tavLst>
+                                    </p:anim>
+                                  </p:childTnLst>
+                                </p:cTn>
+                              </p:par>
+                            </p:childTnLst>
+                          </p:cTn>
+                        </p:par>
+                      </p:childTnLst>
+                    </p:cTn>
+                  </p:par>
+                  <p:par>
+                    <p:cTn id="9" fill="hold">
+                      <p:stCondLst>
+                        <p:cond delay="indefinite"/>
+                      </p:stCondLst>
+                      <p:childTnLst>
+                        <p:par>
+                          <p:cTn id="10" fill="hold">
+                            <p:stCondLst>
+                              <p:cond delay="0"/>
+                            </p:stCondLst>
+                            <p:childTnLst>
+                              <p:par>
+                                <p:cTn id="11" presetID="22" presetClass="entr" presetSubtype="4" fill="hold" nodeType="clickEffect">
+                                  <p:stCondLst>
+                                    <p:cond delay="0"/>
+                                  </p:stCondLst>
+                                  <p:childTnLst>
+                                    <p:set>
+                                      <p:cBhvr>
+                                        <p:cTn id="12" dur="1" fill="hold">
+                                          <p:stCondLst>
+                                            <p:cond delay="0"/>
+                                          </p:stCondLst>
+                                        </p:cTn>
+                                        <p:tgtEl>
+                                          <p:spTgt spid="5"/>
+                                        </p:tgtEl>
+                                        <p:attrNameLst>
+                                          <p:attrName>style.visibility</p:attrName>
+                                        </p:attrNameLst>
+                                      </p:cBhvr>
+                                      <p:to>
+                                        <p:strVal val="visible"/>
+                                      </p:to>
+                                    </p:set>
+                                    <p:animEffect transition="in" filter="wipe(down)">
+                                      <p:cBhvr>
+                                        <p:cTn id="13" dur="500"/>
+                                        <p:tgtEl>
+                                          <p:spTgt spid="5"/>
+                                        </p:tgtEl>
+                                      </p:cBhvr>
+                                    </p:animEffect>
+                                  </p:childTnLst>
+                                </p:cTn>
+                              </p:par>
+                            </p:childTnLst>
+                          </p:cTn>
+                        </p:par>
+                      </p:childTnLst>
+                    </p:cTn>
+                  </p:par>
+                </p:childTnLst>
+              </p:cTn>
+              <p:prevCondLst>
+                <p:cond evt="onPrev" delay="0">
+                  <p:tgtEl>
+                    <p:sldTgt/>
+                  </p:tgtEl>
+                </p:cond>
+              </p:prevCondLst>
+              <p:nextCondLst>
+                <p:cond evt="onNext" delay="0">
+                  <p:tgtEl>
+                    <p:sldTgt/>
+                  </p:tgtEl>
+                </p:cond>
+              </p:nextCondLst>
+            </p:seq>
+          </p:childTnLst>
+        </p:cTn>
+      </p:par>
+    </p:tnLst>
+    <p:bldLst>
+      <p:bldP spid="3" grpId="0" build="p"/>
+    </p:bldLst>
+  </p:timing>
+</p:sld>
+</file>
+
+<file path=ppt/slides/slide14.xml><?xml version="1.0" encoding="utf-8"?>
+<p:sld xmlns:a="http://schemas.openxmlformats.org/drawingml/2006/main" xmlns:r="http://schemas.openxmlformats.org/officeDocument/2006/relationships" xmlns:p="http://schemas.openxmlformats.org/presentationml/2006/main">
+  <p:cSld>
+    <p:spTree>
+      <p:nvGrpSpPr>
+        <p:cNvPr id="1" name=""/>
+        <p:cNvGrpSpPr/>
+        <p:nvPr/>
+      </p:nvGrpSpPr>
+      <p:grpSpPr>
+        <a:xfrm>
+          <a:off x="0" y="0"/>
+          <a:ext cx="0" cy="0"/>
+          <a:chOff x="0" y="0"/>
+          <a:chExt cx="0" cy="0"/>
+        </a:xfrm>
+      </p:grpSpPr>
+      <p:sp>
+        <p:nvSpPr>
+          <p:cNvPr id="2" name="Title 1"/>
+          <p:cNvSpPr>
+            <a:spLocks noGrp="1"/>
+          </p:cNvSpPr>
+          <p:nvPr>
+            <p:ph type="title"/>
+          </p:nvPr>
+        </p:nvSpPr>
+        <p:spPr/>
+        <p:txBody>
+          <a:bodyPr/>
+          <a:lstStyle/>
+          <a:p>
+            <a:endParaRPr lang="en-US"/>
+          </a:p>
+        </p:txBody>
+      </p:sp>
       <p:pic>
         <p:nvPicPr>
           <p:cNvPr id="4" name="Content Placeholder 3"/>
@@ -5895,7 +6842,214 @@
 </p:sld>
 </file>
 
-<file path=ppt/slides/slide11.xml><?xml version="1.0" encoding="utf-8"?>
+<file path=ppt/slides/slide15.xml><?xml version="1.0" encoding="utf-8"?>
+<p:sld xmlns:a="http://schemas.openxmlformats.org/drawingml/2006/main" xmlns:r="http://schemas.openxmlformats.org/officeDocument/2006/relationships" xmlns:p="http://schemas.openxmlformats.org/presentationml/2006/main">
+  <p:cSld>
+    <p:spTree>
+      <p:nvGrpSpPr>
+        <p:cNvPr id="1" name=""/>
+        <p:cNvGrpSpPr/>
+        <p:nvPr/>
+      </p:nvGrpSpPr>
+      <p:grpSpPr>
+        <a:xfrm>
+          <a:off x="0" y="0"/>
+          <a:ext cx="0" cy="0"/>
+          <a:chOff x="0" y="0"/>
+          <a:chExt cx="0" cy="0"/>
+        </a:xfrm>
+      </p:grpSpPr>
+      <p:sp>
+        <p:nvSpPr>
+          <p:cNvPr id="2" name="Title 1"/>
+          <p:cNvSpPr>
+            <a:spLocks noGrp="1"/>
+          </p:cNvSpPr>
+          <p:nvPr>
+            <p:ph type="title"/>
+          </p:nvPr>
+        </p:nvSpPr>
+        <p:spPr/>
+        <p:txBody>
+          <a:bodyPr/>
+          <a:lstStyle/>
+          <a:p>
+            <a:endParaRPr lang="en-US"/>
+          </a:p>
+        </p:txBody>
+      </p:sp>
+      <p:sp>
+        <p:nvSpPr>
+          <p:cNvPr id="3" name="Content Placeholder 2"/>
+          <p:cNvSpPr>
+            <a:spLocks noGrp="1"/>
+          </p:cNvSpPr>
+          <p:nvPr>
+            <p:ph idx="1"/>
+          </p:nvPr>
+        </p:nvSpPr>
+        <p:spPr>
+          <a:xfrm>
+            <a:off x="684212" y="685801"/>
+            <a:ext cx="3924733" cy="1549400"/>
+          </a:xfrm>
+        </p:spPr>
+        <p:txBody>
+          <a:bodyPr>
+            <a:normAutofit fontScale="77500" lnSpcReduction="20000"/>
+          </a:bodyPr>
+          <a:lstStyle/>
+          <a:p>
+            <a:pPr marL="0" indent="0">
+              <a:buNone/>
+            </a:pPr>
+            <a:r>
+              <a:rPr lang="en-US" sz="4000" dirty="0" smtClean="0"/>
+              <a:t>SYANGJYA </a:t>
+            </a:r>
+            <a:r>
+              <a:rPr lang="en-US" sz="4000" dirty="0" smtClean="0"/>
+              <a:t>UNCLEANED DATA </a:t>
+            </a:r>
+            <a:r>
+              <a:rPr lang="en-US" sz="4000" dirty="0" smtClean="0"/>
+              <a:t>FROM AREA 2:</a:t>
+            </a:r>
+          </a:p>
+        </p:txBody>
+      </p:sp>
+      <p:pic>
+        <p:nvPicPr>
+          <p:cNvPr id="5" name="Picture 4"/>
+          <p:cNvPicPr>
+            <a:picLocks noChangeAspect="1"/>
+          </p:cNvPicPr>
+          <p:nvPr/>
+        </p:nvPicPr>
+        <p:blipFill>
+          <a:blip r:embed="rId2"/>
+          <a:stretch>
+            <a:fillRect/>
+          </a:stretch>
+        </p:blipFill>
+        <p:spPr>
+          <a:xfrm>
+            <a:off x="544304" y="2569225"/>
+            <a:ext cx="11269648" cy="3086531"/>
+          </a:xfrm>
+          <a:prstGeom prst="rect">
+            <a:avLst/>
+          </a:prstGeom>
+        </p:spPr>
+      </p:pic>
+    </p:spTree>
+    <p:extLst>
+      <p:ext uri="{BB962C8B-B14F-4D97-AF65-F5344CB8AC3E}">
+        <p14:creationId xmlns:p14="http://schemas.microsoft.com/office/powerpoint/2010/main" val="3752080607"/>
+      </p:ext>
+    </p:extLst>
+  </p:cSld>
+  <p:clrMapOvr>
+    <a:masterClrMapping/>
+  </p:clrMapOvr>
+  <p:timing>
+    <p:tnLst>
+      <p:par>
+        <p:cTn id="1" dur="indefinite" restart="never" nodeType="tmRoot">
+          <p:childTnLst>
+            <p:seq concurrent="1" nextAc="seek">
+              <p:cTn id="2" dur="indefinite" nodeType="mainSeq">
+                <p:childTnLst>
+                  <p:par>
+                    <p:cTn id="3" fill="hold">
+                      <p:stCondLst>
+                        <p:cond delay="indefinite"/>
+                      </p:stCondLst>
+                      <p:childTnLst>
+                        <p:par>
+                          <p:cTn id="4" fill="hold">
+                            <p:stCondLst>
+                              <p:cond delay="0"/>
+                            </p:stCondLst>
+                            <p:childTnLst>
+                              <p:par>
+                                <p:cTn id="5" presetID="22" presetClass="entr" presetSubtype="4" fill="hold" grpId="0" nodeType="clickEffect">
+                                  <p:stCondLst>
+                                    <p:cond delay="0"/>
+                                  </p:stCondLst>
+                                  <p:childTnLst>
+                                    <p:set>
+                                      <p:cBhvr>
+                                        <p:cTn id="6" dur="1" fill="hold">
+                                          <p:stCondLst>
+                                            <p:cond delay="0"/>
+                                          </p:stCondLst>
+                                        </p:cTn>
+                                        <p:tgtEl>
+                                          <p:spTgt spid="3">
+                                            <p:txEl>
+                                              <p:pRg st="0" end="0"/>
+                                            </p:txEl>
+                                          </p:spTgt>
+                                        </p:tgtEl>
+                                        <p:attrNameLst>
+                                          <p:attrName>style.visibility</p:attrName>
+                                        </p:attrNameLst>
+                                      </p:cBhvr>
+                                      <p:to>
+                                        <p:strVal val="visible"/>
+                                      </p:to>
+                                    </p:set>
+                                    <p:animEffect transition="in" filter="wipe(down)">
+                                      <p:cBhvr>
+                                        <p:cTn id="7" dur="500"/>
+                                        <p:tgtEl>
+                                          <p:spTgt spid="3">
+                                            <p:txEl>
+                                              <p:pRg st="0" end="0"/>
+                                            </p:txEl>
+                                          </p:spTgt>
+                                        </p:tgtEl>
+                                      </p:cBhvr>
+                                    </p:animEffect>
+                                  </p:childTnLst>
+                                </p:cTn>
+                              </p:par>
+                            </p:childTnLst>
+                          </p:cTn>
+                        </p:par>
+                      </p:childTnLst>
+                    </p:cTn>
+                  </p:par>
+                </p:childTnLst>
+              </p:cTn>
+              <p:prevCondLst>
+                <p:cond evt="onPrev" delay="0">
+                  <p:tgtEl>
+                    <p:sldTgt/>
+                  </p:tgtEl>
+                </p:cond>
+              </p:prevCondLst>
+              <p:nextCondLst>
+                <p:cond evt="onNext" delay="0">
+                  <p:tgtEl>
+                    <p:sldTgt/>
+                  </p:tgtEl>
+                </p:cond>
+              </p:nextCondLst>
+            </p:seq>
+          </p:childTnLst>
+        </p:cTn>
+      </p:par>
+    </p:tnLst>
+    <p:bldLst>
+      <p:bldP spid="3" grpId="0" build="p"/>
+    </p:bldLst>
+  </p:timing>
+</p:sld>
+</file>
+
+<file path=ppt/slides/slide16.xml><?xml version="1.0" encoding="utf-8"?>
 <p:sld xmlns:a="http://schemas.openxmlformats.org/drawingml/2006/main" xmlns:r="http://schemas.openxmlformats.org/officeDocument/2006/relationships" xmlns:p="http://schemas.openxmlformats.org/presentationml/2006/main">
   <p:cSld>
     <p:spTree>
@@ -5990,7 +7144,7 @@
     </p:spTree>
     <p:extLst>
       <p:ext uri="{BB962C8B-B14F-4D97-AF65-F5344CB8AC3E}">
-        <p14:creationId xmlns:p14="http://schemas.microsoft.com/office/powerpoint/2010/main" val="3752080607"/>
+        <p14:creationId xmlns:p14="http://schemas.microsoft.com/office/powerpoint/2010/main" val="1453807057"/>
       </p:ext>
     </p:extLst>
   </p:cSld>
@@ -6185,7 +7339,7 @@
 </p:sld>
 </file>
 
-<file path=ppt/slides/slide12.xml><?xml version="1.0" encoding="utf-8"?>
+<file path=ppt/slides/slide17.xml><?xml version="1.0" encoding="utf-8"?>
 <p:sld xmlns:a="http://schemas.openxmlformats.org/drawingml/2006/main" xmlns:r="http://schemas.openxmlformats.org/officeDocument/2006/relationships" xmlns:p="http://schemas.openxmlformats.org/presentationml/2006/main">
   <p:cSld>
     <p:spTree>
@@ -6392,7 +7546,202 @@
 </p:sld>
 </file>
 
-<file path=ppt/slides/slide13.xml><?xml version="1.0" encoding="utf-8"?>
+<file path=ppt/slides/slide18.xml><?xml version="1.0" encoding="utf-8"?>
+<p:sld xmlns:a="http://schemas.openxmlformats.org/drawingml/2006/main" xmlns:r="http://schemas.openxmlformats.org/officeDocument/2006/relationships" xmlns:p="http://schemas.openxmlformats.org/presentationml/2006/main">
+  <p:cSld>
+    <p:spTree>
+      <p:nvGrpSpPr>
+        <p:cNvPr id="1" name=""/>
+        <p:cNvGrpSpPr/>
+        <p:nvPr/>
+      </p:nvGrpSpPr>
+      <p:grpSpPr>
+        <a:xfrm>
+          <a:off x="0" y="0"/>
+          <a:ext cx="0" cy="0"/>
+          <a:chOff x="0" y="0"/>
+          <a:chExt cx="0" cy="0"/>
+        </a:xfrm>
+      </p:grpSpPr>
+      <p:sp>
+        <p:nvSpPr>
+          <p:cNvPr id="2" name="Title 1"/>
+          <p:cNvSpPr>
+            <a:spLocks noGrp="1"/>
+          </p:cNvSpPr>
+          <p:nvPr>
+            <p:ph type="title"/>
+          </p:nvPr>
+        </p:nvSpPr>
+        <p:spPr/>
+        <p:txBody>
+          <a:bodyPr/>
+          <a:lstStyle/>
+          <a:p>
+            <a:endParaRPr lang="en-US"/>
+          </a:p>
+        </p:txBody>
+      </p:sp>
+      <p:sp>
+        <p:nvSpPr>
+          <p:cNvPr id="3" name="Content Placeholder 2"/>
+          <p:cNvSpPr>
+            <a:spLocks noGrp="1"/>
+          </p:cNvSpPr>
+          <p:nvPr>
+            <p:ph idx="1"/>
+          </p:nvPr>
+        </p:nvSpPr>
+        <p:spPr>
+          <a:xfrm>
+            <a:off x="684212" y="685801"/>
+            <a:ext cx="3924733" cy="1549400"/>
+          </a:xfrm>
+        </p:spPr>
+        <p:txBody>
+          <a:bodyPr>
+            <a:normAutofit fontScale="77500" lnSpcReduction="20000"/>
+          </a:bodyPr>
+          <a:lstStyle/>
+          <a:p>
+            <a:pPr marL="0" indent="0">
+              <a:buNone/>
+            </a:pPr>
+            <a:r>
+              <a:rPr lang="en-US" sz="4000" dirty="0" smtClean="0"/>
+              <a:t>LAMJUNG </a:t>
+            </a:r>
+            <a:r>
+              <a:rPr lang="en-US" sz="4000" dirty="0" smtClean="0"/>
+              <a:t>UNCLEANED DATA </a:t>
+            </a:r>
+            <a:r>
+              <a:rPr lang="en-US" sz="4000" dirty="0" smtClean="0"/>
+              <a:t>FROM AREA 1:</a:t>
+            </a:r>
+          </a:p>
+        </p:txBody>
+      </p:sp>
+      <p:pic>
+        <p:nvPicPr>
+          <p:cNvPr id="4" name="Picture 3"/>
+          <p:cNvPicPr>
+            <a:picLocks noChangeAspect="1"/>
+          </p:cNvPicPr>
+          <p:nvPr/>
+        </p:nvPicPr>
+        <p:blipFill>
+          <a:blip r:embed="rId2"/>
+          <a:stretch>
+            <a:fillRect/>
+          </a:stretch>
+        </p:blipFill>
+        <p:spPr>
+          <a:xfrm>
+            <a:off x="170623" y="2235201"/>
+            <a:ext cx="11850754" cy="4143953"/>
+          </a:xfrm>
+          <a:prstGeom prst="rect">
+            <a:avLst/>
+          </a:prstGeom>
+        </p:spPr>
+      </p:pic>
+    </p:spTree>
+    <p:extLst>
+      <p:ext uri="{BB962C8B-B14F-4D97-AF65-F5344CB8AC3E}">
+        <p14:creationId xmlns:p14="http://schemas.microsoft.com/office/powerpoint/2010/main" val="1826854691"/>
+      </p:ext>
+    </p:extLst>
+  </p:cSld>
+  <p:clrMapOvr>
+    <a:masterClrMapping/>
+  </p:clrMapOvr>
+  <p:timing>
+    <p:tnLst>
+      <p:par>
+        <p:cTn id="1" dur="indefinite" restart="never" nodeType="tmRoot">
+          <p:childTnLst>
+            <p:seq concurrent="1" nextAc="seek">
+              <p:cTn id="2" dur="indefinite" nodeType="mainSeq">
+                <p:childTnLst>
+                  <p:par>
+                    <p:cTn id="3" fill="hold">
+                      <p:stCondLst>
+                        <p:cond delay="indefinite"/>
+                      </p:stCondLst>
+                      <p:childTnLst>
+                        <p:par>
+                          <p:cTn id="4" fill="hold">
+                            <p:stCondLst>
+                              <p:cond delay="0"/>
+                            </p:stCondLst>
+                            <p:childTnLst>
+                              <p:par>
+                                <p:cTn id="5" presetID="1" presetClass="entr" presetSubtype="0" fill="hold" grpId="0" nodeType="clickEffect">
+                                  <p:stCondLst>
+                                    <p:cond delay="0"/>
+                                  </p:stCondLst>
+                                  <p:childTnLst>
+                                    <p:set>
+                                      <p:cBhvr>
+                                        <p:cTn id="6" dur="1" fill="hold">
+                                          <p:stCondLst>
+                                            <p:cond delay="0"/>
+                                          </p:stCondLst>
+                                        </p:cTn>
+                                        <p:tgtEl>
+                                          <p:spTgt spid="3">
+                                            <p:txEl>
+                                              <p:pRg st="0" end="0"/>
+                                            </p:txEl>
+                                          </p:spTgt>
+                                        </p:tgtEl>
+                                        <p:attrNameLst>
+                                          <p:attrName>style.visibility</p:attrName>
+                                        </p:attrNameLst>
+                                      </p:cBhvr>
+                                      <p:to>
+                                        <p:strVal val="visible"/>
+                                      </p:to>
+                                    </p:set>
+                                  </p:childTnLst>
+                                </p:cTn>
+                              </p:par>
+                            </p:childTnLst>
+                          </p:cTn>
+                        </p:par>
+                      </p:childTnLst>
+                    </p:cTn>
+                  </p:par>
+                </p:childTnLst>
+              </p:cTn>
+              <p:prevCondLst>
+                <p:cond evt="onPrev" delay="0">
+                  <p:tgtEl>
+                    <p:sldTgt/>
+                  </p:tgtEl>
+                </p:cond>
+              </p:prevCondLst>
+              <p:nextCondLst>
+                <p:cond evt="onNext" delay="0">
+                  <p:tgtEl>
+                    <p:sldTgt/>
+                  </p:tgtEl>
+                </p:cond>
+              </p:nextCondLst>
+            </p:seq>
+          </p:childTnLst>
+        </p:cTn>
+      </p:par>
+    </p:tnLst>
+    <p:bldLst>
+      <p:bldP spid="3" grpId="0" build="p"/>
+    </p:bldLst>
+  </p:timing>
+</p:sld>
+</file>
+
+<file path=ppt/slides/slide19.xml><?xml version="1.0" encoding="utf-8"?>
 <p:sld xmlns:a="http://schemas.openxmlformats.org/drawingml/2006/main" xmlns:r="http://schemas.openxmlformats.org/officeDocument/2006/relationships" xmlns:p="http://schemas.openxmlformats.org/presentationml/2006/main">
   <p:cSld>
     <p:spTree>
@@ -6487,7 +7836,7 @@
     </p:spTree>
     <p:extLst>
       <p:ext uri="{BB962C8B-B14F-4D97-AF65-F5344CB8AC3E}">
-        <p14:creationId xmlns:p14="http://schemas.microsoft.com/office/powerpoint/2010/main" val="1826854691"/>
+        <p14:creationId xmlns:p14="http://schemas.microsoft.com/office/powerpoint/2010/main" val="1774953319"/>
       </p:ext>
     </p:extLst>
   </p:cSld>
@@ -6674,1188 +8023,6 @@
     <p:bldLst>
       <p:bldP spid="3" grpId="0" build="p"/>
     </p:bldLst>
-  </p:timing>
-</p:sld>
-</file>
-
-<file path=ppt/slides/slide14.xml><?xml version="1.0" encoding="utf-8"?>
-<p:sld xmlns:a="http://schemas.openxmlformats.org/drawingml/2006/main" xmlns:r="http://schemas.openxmlformats.org/officeDocument/2006/relationships" xmlns:p="http://schemas.openxmlformats.org/presentationml/2006/main">
-  <p:cSld>
-    <p:spTree>
-      <p:nvGrpSpPr>
-        <p:cNvPr id="1" name=""/>
-        <p:cNvGrpSpPr/>
-        <p:nvPr/>
-      </p:nvGrpSpPr>
-      <p:grpSpPr>
-        <a:xfrm>
-          <a:off x="0" y="0"/>
-          <a:ext cx="0" cy="0"/>
-          <a:chOff x="0" y="0"/>
-          <a:chExt cx="0" cy="0"/>
-        </a:xfrm>
-      </p:grpSpPr>
-      <p:sp>
-        <p:nvSpPr>
-          <p:cNvPr id="2" name="Title 1"/>
-          <p:cNvSpPr>
-            <a:spLocks noGrp="1"/>
-          </p:cNvSpPr>
-          <p:nvPr>
-            <p:ph type="title"/>
-          </p:nvPr>
-        </p:nvSpPr>
-        <p:spPr/>
-        <p:txBody>
-          <a:bodyPr/>
-          <a:lstStyle/>
-          <a:p>
-            <a:endParaRPr lang="en-US"/>
-          </a:p>
-        </p:txBody>
-      </p:sp>
-      <p:pic>
-        <p:nvPicPr>
-          <p:cNvPr id="4" name="Content Placeholder 3"/>
-          <p:cNvPicPr>
-            <a:picLocks noGrp="1" noChangeAspect="1"/>
-          </p:cNvPicPr>
-          <p:nvPr>
-            <p:ph idx="1"/>
-          </p:nvPr>
-        </p:nvPicPr>
-        <p:blipFill>
-          <a:blip r:embed="rId2">
-            <a:extLst>
-              <a:ext uri="{28A0092B-C50C-407E-A947-70E740481C1C}">
-                <a14:useLocalDpi xmlns:a14="http://schemas.microsoft.com/office/drawing/2010/main" val="0"/>
-              </a:ext>
-            </a:extLst>
-          </a:blip>
-          <a:stretch>
-            <a:fillRect/>
-          </a:stretch>
-        </p:blipFill>
-        <p:spPr>
-          <a:xfrm>
-            <a:off x="2084007" y="611909"/>
-            <a:ext cx="7134605" cy="5465618"/>
-          </a:xfrm>
-        </p:spPr>
-      </p:pic>
-    </p:spTree>
-    <p:extLst>
-      <p:ext uri="{BB962C8B-B14F-4D97-AF65-F5344CB8AC3E}">
-        <p14:creationId xmlns:p14="http://schemas.microsoft.com/office/powerpoint/2010/main" val="3534632163"/>
-      </p:ext>
-    </p:extLst>
-  </p:cSld>
-  <p:clrMapOvr>
-    <a:masterClrMapping/>
-  </p:clrMapOvr>
-  <p:timing>
-    <p:tnLst>
-      <p:par>
-        <p:cTn id="1" dur="indefinite" restart="never" nodeType="tmRoot">
-          <p:childTnLst>
-            <p:seq concurrent="1" nextAc="seek">
-              <p:cTn id="2" dur="indefinite" nodeType="mainSeq">
-                <p:childTnLst>
-                  <p:par>
-                    <p:cTn id="3" fill="hold">
-                      <p:stCondLst>
-                        <p:cond delay="indefinite"/>
-                      </p:stCondLst>
-                      <p:childTnLst>
-                        <p:par>
-                          <p:cTn id="4" fill="hold">
-                            <p:stCondLst>
-                              <p:cond delay="0"/>
-                            </p:stCondLst>
-                            <p:childTnLst>
-                              <p:par>
-                                <p:cTn id="5" presetID="53" presetClass="entr" presetSubtype="16" fill="hold" nodeType="clickEffect">
-                                  <p:stCondLst>
-                                    <p:cond delay="0"/>
-                                  </p:stCondLst>
-                                  <p:childTnLst>
-                                    <p:set>
-                                      <p:cBhvr>
-                                        <p:cTn id="6" dur="1" fill="hold">
-                                          <p:stCondLst>
-                                            <p:cond delay="0"/>
-                                          </p:stCondLst>
-                                        </p:cTn>
-                                        <p:tgtEl>
-                                          <p:spTgt spid="4"/>
-                                        </p:tgtEl>
-                                        <p:attrNameLst>
-                                          <p:attrName>style.visibility</p:attrName>
-                                        </p:attrNameLst>
-                                      </p:cBhvr>
-                                      <p:to>
-                                        <p:strVal val="visible"/>
-                                      </p:to>
-                                    </p:set>
-                                    <p:anim calcmode="lin" valueType="num">
-                                      <p:cBhvr>
-                                        <p:cTn id="7" dur="500" fill="hold"/>
-                                        <p:tgtEl>
-                                          <p:spTgt spid="4"/>
-                                        </p:tgtEl>
-                                        <p:attrNameLst>
-                                          <p:attrName>ppt_w</p:attrName>
-                                        </p:attrNameLst>
-                                      </p:cBhvr>
-                                      <p:tavLst>
-                                        <p:tav tm="0">
-                                          <p:val>
-                                            <p:fltVal val="0"/>
-                                          </p:val>
-                                        </p:tav>
-                                        <p:tav tm="100000">
-                                          <p:val>
-                                            <p:strVal val="#ppt_w"/>
-                                          </p:val>
-                                        </p:tav>
-                                      </p:tavLst>
-                                    </p:anim>
-                                    <p:anim calcmode="lin" valueType="num">
-                                      <p:cBhvr>
-                                        <p:cTn id="8" dur="500" fill="hold"/>
-                                        <p:tgtEl>
-                                          <p:spTgt spid="4"/>
-                                        </p:tgtEl>
-                                        <p:attrNameLst>
-                                          <p:attrName>ppt_h</p:attrName>
-                                        </p:attrNameLst>
-                                      </p:cBhvr>
-                                      <p:tavLst>
-                                        <p:tav tm="0">
-                                          <p:val>
-                                            <p:fltVal val="0"/>
-                                          </p:val>
-                                        </p:tav>
-                                        <p:tav tm="100000">
-                                          <p:val>
-                                            <p:strVal val="#ppt_h"/>
-                                          </p:val>
-                                        </p:tav>
-                                      </p:tavLst>
-                                    </p:anim>
-                                    <p:animEffect transition="in" filter="fade">
-                                      <p:cBhvr>
-                                        <p:cTn id="9" dur="500"/>
-                                        <p:tgtEl>
-                                          <p:spTgt spid="4"/>
-                                        </p:tgtEl>
-                                      </p:cBhvr>
-                                    </p:animEffect>
-                                  </p:childTnLst>
-                                </p:cTn>
-                              </p:par>
-                            </p:childTnLst>
-                          </p:cTn>
-                        </p:par>
-                      </p:childTnLst>
-                    </p:cTn>
-                  </p:par>
-                </p:childTnLst>
-              </p:cTn>
-              <p:prevCondLst>
-                <p:cond evt="onPrev" delay="0">
-                  <p:tgtEl>
-                    <p:sldTgt/>
-                  </p:tgtEl>
-                </p:cond>
-              </p:prevCondLst>
-              <p:nextCondLst>
-                <p:cond evt="onNext" delay="0">
-                  <p:tgtEl>
-                    <p:sldTgt/>
-                  </p:tgtEl>
-                </p:cond>
-              </p:nextCondLst>
-            </p:seq>
-          </p:childTnLst>
-        </p:cTn>
-      </p:par>
-    </p:tnLst>
-  </p:timing>
-</p:sld>
-</file>
-
-<file path=ppt/slides/slide15.xml><?xml version="1.0" encoding="utf-8"?>
-<p:sld xmlns:a="http://schemas.openxmlformats.org/drawingml/2006/main" xmlns:r="http://schemas.openxmlformats.org/officeDocument/2006/relationships" xmlns:p="http://schemas.openxmlformats.org/presentationml/2006/main">
-  <p:cSld>
-    <p:spTree>
-      <p:nvGrpSpPr>
-        <p:cNvPr id="1" name=""/>
-        <p:cNvGrpSpPr/>
-        <p:nvPr/>
-      </p:nvGrpSpPr>
-      <p:grpSpPr>
-        <a:xfrm>
-          <a:off x="0" y="0"/>
-          <a:ext cx="0" cy="0"/>
-          <a:chOff x="0" y="0"/>
-          <a:chExt cx="0" cy="0"/>
-        </a:xfrm>
-      </p:grpSpPr>
-      <p:sp>
-        <p:nvSpPr>
-          <p:cNvPr id="2" name="Title 1"/>
-          <p:cNvSpPr>
-            <a:spLocks noGrp="1"/>
-          </p:cNvSpPr>
-          <p:nvPr>
-            <p:ph type="title"/>
-          </p:nvPr>
-        </p:nvSpPr>
-        <p:spPr/>
-        <p:txBody>
-          <a:bodyPr/>
-          <a:lstStyle/>
-          <a:p>
-            <a:endParaRPr lang="en-US"/>
-          </a:p>
-        </p:txBody>
-      </p:sp>
-      <p:sp>
-        <p:nvSpPr>
-          <p:cNvPr id="3" name="Content Placeholder 2"/>
-          <p:cNvSpPr>
-            <a:spLocks noGrp="1"/>
-          </p:cNvSpPr>
-          <p:nvPr>
-            <p:ph idx="1"/>
-          </p:nvPr>
-        </p:nvSpPr>
-        <p:spPr>
-          <a:xfrm>
-            <a:off x="684212" y="685801"/>
-            <a:ext cx="3924733" cy="1549400"/>
-          </a:xfrm>
-        </p:spPr>
-        <p:txBody>
-          <a:bodyPr>
-            <a:normAutofit fontScale="92500"/>
-          </a:bodyPr>
-          <a:lstStyle/>
-          <a:p>
-            <a:pPr marL="0" indent="0">
-              <a:buNone/>
-            </a:pPr>
-            <a:r>
-              <a:rPr lang="en-US" sz="4000" dirty="0" smtClean="0"/>
-              <a:t>BAGLUNG DATA FROM AREA 1:</a:t>
-            </a:r>
-          </a:p>
-        </p:txBody>
-      </p:sp>
-      <p:pic>
-        <p:nvPicPr>
-          <p:cNvPr id="4" name="Picture 3"/>
-          <p:cNvPicPr>
-            <a:picLocks noChangeAspect="1"/>
-          </p:cNvPicPr>
-          <p:nvPr/>
-        </p:nvPicPr>
-        <p:blipFill>
-          <a:blip r:embed="rId2"/>
-          <a:stretch>
-            <a:fillRect/>
-          </a:stretch>
-        </p:blipFill>
-        <p:spPr>
-          <a:xfrm>
-            <a:off x="189385" y="2808253"/>
-            <a:ext cx="11831701" cy="3186145"/>
-          </a:xfrm>
-          <a:prstGeom prst="rect">
-            <a:avLst/>
-          </a:prstGeom>
-        </p:spPr>
-      </p:pic>
-    </p:spTree>
-    <p:extLst>
-      <p:ext uri="{BB962C8B-B14F-4D97-AF65-F5344CB8AC3E}">
-        <p14:creationId xmlns:p14="http://schemas.microsoft.com/office/powerpoint/2010/main" val="805777047"/>
-      </p:ext>
-    </p:extLst>
-  </p:cSld>
-  <p:clrMapOvr>
-    <a:masterClrMapping/>
-  </p:clrMapOvr>
-  <p:timing>
-    <p:tnLst>
-      <p:par>
-        <p:cTn id="1" dur="indefinite" restart="never" nodeType="tmRoot">
-          <p:childTnLst>
-            <p:seq concurrent="1" nextAc="seek">
-              <p:cTn id="2" dur="indefinite" nodeType="mainSeq">
-                <p:childTnLst>
-                  <p:par>
-                    <p:cTn id="3" fill="hold">
-                      <p:stCondLst>
-                        <p:cond delay="indefinite"/>
-                      </p:stCondLst>
-                      <p:childTnLst>
-                        <p:par>
-                          <p:cTn id="4" fill="hold">
-                            <p:stCondLst>
-                              <p:cond delay="0"/>
-                            </p:stCondLst>
-                            <p:childTnLst>
-                              <p:par>
-                                <p:cTn id="5" presetID="21" presetClass="entr" presetSubtype="1" fill="hold" grpId="0" nodeType="clickEffect">
-                                  <p:stCondLst>
-                                    <p:cond delay="0"/>
-                                  </p:stCondLst>
-                                  <p:childTnLst>
-                                    <p:set>
-                                      <p:cBhvr>
-                                        <p:cTn id="6" dur="1" fill="hold">
-                                          <p:stCondLst>
-                                            <p:cond delay="0"/>
-                                          </p:stCondLst>
-                                        </p:cTn>
-                                        <p:tgtEl>
-                                          <p:spTgt spid="3">
-                                            <p:txEl>
-                                              <p:pRg st="0" end="0"/>
-                                            </p:txEl>
-                                          </p:spTgt>
-                                        </p:tgtEl>
-                                        <p:attrNameLst>
-                                          <p:attrName>style.visibility</p:attrName>
-                                        </p:attrNameLst>
-                                      </p:cBhvr>
-                                      <p:to>
-                                        <p:strVal val="visible"/>
-                                      </p:to>
-                                    </p:set>
-                                    <p:animEffect transition="in" filter="wheel(1)">
-                                      <p:cBhvr>
-                                        <p:cTn id="7" dur="2000"/>
-                                        <p:tgtEl>
-                                          <p:spTgt spid="3">
-                                            <p:txEl>
-                                              <p:pRg st="0" end="0"/>
-                                            </p:txEl>
-                                          </p:spTgt>
-                                        </p:tgtEl>
-                                      </p:cBhvr>
-                                    </p:animEffect>
-                                  </p:childTnLst>
-                                </p:cTn>
-                              </p:par>
-                            </p:childTnLst>
-                          </p:cTn>
-                        </p:par>
-                      </p:childTnLst>
-                    </p:cTn>
-                  </p:par>
-                  <p:par>
-                    <p:cTn id="8" fill="hold">
-                      <p:stCondLst>
-                        <p:cond delay="indefinite"/>
-                      </p:stCondLst>
-                      <p:childTnLst>
-                        <p:par>
-                          <p:cTn id="9" fill="hold">
-                            <p:stCondLst>
-                              <p:cond delay="0"/>
-                            </p:stCondLst>
-                            <p:childTnLst>
-                              <p:par>
-                                <p:cTn id="10" presetID="2" presetClass="entr" presetSubtype="4" fill="hold" nodeType="clickEffect">
-                                  <p:stCondLst>
-                                    <p:cond delay="0"/>
-                                  </p:stCondLst>
-                                  <p:childTnLst>
-                                    <p:set>
-                                      <p:cBhvr>
-                                        <p:cTn id="11" dur="1" fill="hold">
-                                          <p:stCondLst>
-                                            <p:cond delay="0"/>
-                                          </p:stCondLst>
-                                        </p:cTn>
-                                        <p:tgtEl>
-                                          <p:spTgt spid="4"/>
-                                        </p:tgtEl>
-                                        <p:attrNameLst>
-                                          <p:attrName>style.visibility</p:attrName>
-                                        </p:attrNameLst>
-                                      </p:cBhvr>
-                                      <p:to>
-                                        <p:strVal val="visible"/>
-                                      </p:to>
-                                    </p:set>
-                                    <p:anim calcmode="lin" valueType="num">
-                                      <p:cBhvr additive="base">
-                                        <p:cTn id="12" dur="500" fill="hold"/>
-                                        <p:tgtEl>
-                                          <p:spTgt spid="4"/>
-                                        </p:tgtEl>
-                                        <p:attrNameLst>
-                                          <p:attrName>ppt_x</p:attrName>
-                                        </p:attrNameLst>
-                                      </p:cBhvr>
-                                      <p:tavLst>
-                                        <p:tav tm="0">
-                                          <p:val>
-                                            <p:strVal val="#ppt_x"/>
-                                          </p:val>
-                                        </p:tav>
-                                        <p:tav tm="100000">
-                                          <p:val>
-                                            <p:strVal val="#ppt_x"/>
-                                          </p:val>
-                                        </p:tav>
-                                      </p:tavLst>
-                                    </p:anim>
-                                    <p:anim calcmode="lin" valueType="num">
-                                      <p:cBhvr additive="base">
-                                        <p:cTn id="13" dur="500" fill="hold"/>
-                                        <p:tgtEl>
-                                          <p:spTgt spid="4"/>
-                                        </p:tgtEl>
-                                        <p:attrNameLst>
-                                          <p:attrName>ppt_y</p:attrName>
-                                        </p:attrNameLst>
-                                      </p:cBhvr>
-                                      <p:tavLst>
-                                        <p:tav tm="0">
-                                          <p:val>
-                                            <p:strVal val="1+#ppt_h/2"/>
-                                          </p:val>
-                                        </p:tav>
-                                        <p:tav tm="100000">
-                                          <p:val>
-                                            <p:strVal val="#ppt_y"/>
-                                          </p:val>
-                                        </p:tav>
-                                      </p:tavLst>
-                                    </p:anim>
-                                  </p:childTnLst>
-                                </p:cTn>
-                              </p:par>
-                            </p:childTnLst>
-                          </p:cTn>
-                        </p:par>
-                      </p:childTnLst>
-                    </p:cTn>
-                  </p:par>
-                </p:childTnLst>
-              </p:cTn>
-              <p:prevCondLst>
-                <p:cond evt="onPrev" delay="0">
-                  <p:tgtEl>
-                    <p:sldTgt/>
-                  </p:tgtEl>
-                </p:cond>
-              </p:prevCondLst>
-              <p:nextCondLst>
-                <p:cond evt="onNext" delay="0">
-                  <p:tgtEl>
-                    <p:sldTgt/>
-                  </p:tgtEl>
-                </p:cond>
-              </p:nextCondLst>
-            </p:seq>
-          </p:childTnLst>
-        </p:cTn>
-      </p:par>
-    </p:tnLst>
-    <p:bldLst>
-      <p:bldP spid="3" grpId="0" build="p"/>
-    </p:bldLst>
-  </p:timing>
-</p:sld>
-</file>
-
-<file path=ppt/slides/slide16.xml><?xml version="1.0" encoding="utf-8"?>
-<p:sld xmlns:a="http://schemas.openxmlformats.org/drawingml/2006/main" xmlns:r="http://schemas.openxmlformats.org/officeDocument/2006/relationships" xmlns:p="http://schemas.openxmlformats.org/presentationml/2006/main">
-  <p:cSld>
-    <p:spTree>
-      <p:nvGrpSpPr>
-        <p:cNvPr id="1" name=""/>
-        <p:cNvGrpSpPr/>
-        <p:nvPr/>
-      </p:nvGrpSpPr>
-      <p:grpSpPr>
-        <a:xfrm>
-          <a:off x="0" y="0"/>
-          <a:ext cx="0" cy="0"/>
-          <a:chOff x="0" y="0"/>
-          <a:chExt cx="0" cy="0"/>
-        </a:xfrm>
-      </p:grpSpPr>
-      <p:sp>
-        <p:nvSpPr>
-          <p:cNvPr id="2" name="Title 1"/>
-          <p:cNvSpPr>
-            <a:spLocks noGrp="1"/>
-          </p:cNvSpPr>
-          <p:nvPr>
-            <p:ph type="title"/>
-          </p:nvPr>
-        </p:nvSpPr>
-        <p:spPr/>
-        <p:txBody>
-          <a:bodyPr/>
-          <a:lstStyle/>
-          <a:p>
-            <a:endParaRPr lang="en-US"/>
-          </a:p>
-        </p:txBody>
-      </p:sp>
-      <p:pic>
-        <p:nvPicPr>
-          <p:cNvPr id="4" name="Content Placeholder 3"/>
-          <p:cNvPicPr>
-            <a:picLocks noGrp="1" noChangeAspect="1"/>
-          </p:cNvPicPr>
-          <p:nvPr>
-            <p:ph idx="1"/>
-          </p:nvPr>
-        </p:nvPicPr>
-        <p:blipFill>
-          <a:blip r:embed="rId2">
-            <a:extLst>
-              <a:ext uri="{28A0092B-C50C-407E-A947-70E740481C1C}">
-                <a14:useLocalDpi xmlns:a14="http://schemas.microsoft.com/office/drawing/2010/main" val="0"/>
-              </a:ext>
-            </a:extLst>
-          </a:blip>
-          <a:stretch>
-            <a:fillRect/>
-          </a:stretch>
-        </p:blipFill>
-        <p:spPr>
-          <a:xfrm>
-            <a:off x="2456873" y="445653"/>
-            <a:ext cx="6549301" cy="5753067"/>
-          </a:xfrm>
-        </p:spPr>
-      </p:pic>
-    </p:spTree>
-    <p:extLst>
-      <p:ext uri="{BB962C8B-B14F-4D97-AF65-F5344CB8AC3E}">
-        <p14:creationId xmlns:p14="http://schemas.microsoft.com/office/powerpoint/2010/main" val="2413833752"/>
-      </p:ext>
-    </p:extLst>
-  </p:cSld>
-  <p:clrMapOvr>
-    <a:masterClrMapping/>
-  </p:clrMapOvr>
-  <p:timing>
-    <p:tnLst>
-      <p:par>
-        <p:cTn id="1" dur="indefinite" restart="never" nodeType="tmRoot">
-          <p:childTnLst>
-            <p:seq concurrent="1" nextAc="seek">
-              <p:cTn id="2" dur="indefinite" nodeType="mainSeq">
-                <p:childTnLst>
-                  <p:par>
-                    <p:cTn id="3" fill="hold">
-                      <p:stCondLst>
-                        <p:cond delay="indefinite"/>
-                      </p:stCondLst>
-                      <p:childTnLst>
-                        <p:par>
-                          <p:cTn id="4" fill="hold">
-                            <p:stCondLst>
-                              <p:cond delay="0"/>
-                            </p:stCondLst>
-                            <p:childTnLst>
-                              <p:par>
-                                <p:cTn id="5" presetID="53" presetClass="entr" presetSubtype="16" fill="hold" nodeType="clickEffect">
-                                  <p:stCondLst>
-                                    <p:cond delay="0"/>
-                                  </p:stCondLst>
-                                  <p:childTnLst>
-                                    <p:set>
-                                      <p:cBhvr>
-                                        <p:cTn id="6" dur="1" fill="hold">
-                                          <p:stCondLst>
-                                            <p:cond delay="0"/>
-                                          </p:stCondLst>
-                                        </p:cTn>
-                                        <p:tgtEl>
-                                          <p:spTgt spid="4"/>
-                                        </p:tgtEl>
-                                        <p:attrNameLst>
-                                          <p:attrName>style.visibility</p:attrName>
-                                        </p:attrNameLst>
-                                      </p:cBhvr>
-                                      <p:to>
-                                        <p:strVal val="visible"/>
-                                      </p:to>
-                                    </p:set>
-                                    <p:anim calcmode="lin" valueType="num">
-                                      <p:cBhvr>
-                                        <p:cTn id="7" dur="500" fill="hold"/>
-                                        <p:tgtEl>
-                                          <p:spTgt spid="4"/>
-                                        </p:tgtEl>
-                                        <p:attrNameLst>
-                                          <p:attrName>ppt_w</p:attrName>
-                                        </p:attrNameLst>
-                                      </p:cBhvr>
-                                      <p:tavLst>
-                                        <p:tav tm="0">
-                                          <p:val>
-                                            <p:fltVal val="0"/>
-                                          </p:val>
-                                        </p:tav>
-                                        <p:tav tm="100000">
-                                          <p:val>
-                                            <p:strVal val="#ppt_w"/>
-                                          </p:val>
-                                        </p:tav>
-                                      </p:tavLst>
-                                    </p:anim>
-                                    <p:anim calcmode="lin" valueType="num">
-                                      <p:cBhvr>
-                                        <p:cTn id="8" dur="500" fill="hold"/>
-                                        <p:tgtEl>
-                                          <p:spTgt spid="4"/>
-                                        </p:tgtEl>
-                                        <p:attrNameLst>
-                                          <p:attrName>ppt_h</p:attrName>
-                                        </p:attrNameLst>
-                                      </p:cBhvr>
-                                      <p:tavLst>
-                                        <p:tav tm="0">
-                                          <p:val>
-                                            <p:fltVal val="0"/>
-                                          </p:val>
-                                        </p:tav>
-                                        <p:tav tm="100000">
-                                          <p:val>
-                                            <p:strVal val="#ppt_h"/>
-                                          </p:val>
-                                        </p:tav>
-                                      </p:tavLst>
-                                    </p:anim>
-                                    <p:animEffect transition="in" filter="fade">
-                                      <p:cBhvr>
-                                        <p:cTn id="9" dur="500"/>
-                                        <p:tgtEl>
-                                          <p:spTgt spid="4"/>
-                                        </p:tgtEl>
-                                      </p:cBhvr>
-                                    </p:animEffect>
-                                  </p:childTnLst>
-                                </p:cTn>
-                              </p:par>
-                            </p:childTnLst>
-                          </p:cTn>
-                        </p:par>
-                      </p:childTnLst>
-                    </p:cTn>
-                  </p:par>
-                </p:childTnLst>
-              </p:cTn>
-              <p:prevCondLst>
-                <p:cond evt="onPrev" delay="0">
-                  <p:tgtEl>
-                    <p:sldTgt/>
-                  </p:tgtEl>
-                </p:cond>
-              </p:prevCondLst>
-              <p:nextCondLst>
-                <p:cond evt="onNext" delay="0">
-                  <p:tgtEl>
-                    <p:sldTgt/>
-                  </p:tgtEl>
-                </p:cond>
-              </p:nextCondLst>
-            </p:seq>
-          </p:childTnLst>
-        </p:cTn>
-      </p:par>
-    </p:tnLst>
-  </p:timing>
-</p:sld>
-</file>
-
-<file path=ppt/slides/slide17.xml><?xml version="1.0" encoding="utf-8"?>
-<p:sld xmlns:a="http://schemas.openxmlformats.org/drawingml/2006/main" xmlns:r="http://schemas.openxmlformats.org/officeDocument/2006/relationships" xmlns:p="http://schemas.openxmlformats.org/presentationml/2006/main">
-  <p:cSld>
-    <p:spTree>
-      <p:nvGrpSpPr>
-        <p:cNvPr id="1" name=""/>
-        <p:cNvGrpSpPr/>
-        <p:nvPr/>
-      </p:nvGrpSpPr>
-      <p:grpSpPr>
-        <a:xfrm>
-          <a:off x="0" y="0"/>
-          <a:ext cx="0" cy="0"/>
-          <a:chOff x="0" y="0"/>
-          <a:chExt cx="0" cy="0"/>
-        </a:xfrm>
-      </p:grpSpPr>
-      <p:sp>
-        <p:nvSpPr>
-          <p:cNvPr id="2" name="Title 1"/>
-          <p:cNvSpPr>
-            <a:spLocks noGrp="1"/>
-          </p:cNvSpPr>
-          <p:nvPr>
-            <p:ph type="title"/>
-          </p:nvPr>
-        </p:nvSpPr>
-        <p:spPr/>
-        <p:txBody>
-          <a:bodyPr/>
-          <a:lstStyle/>
-          <a:p>
-            <a:endParaRPr lang="en-US"/>
-          </a:p>
-        </p:txBody>
-      </p:sp>
-      <p:sp>
-        <p:nvSpPr>
-          <p:cNvPr id="3" name="Content Placeholder 2"/>
-          <p:cNvSpPr>
-            <a:spLocks noGrp="1"/>
-          </p:cNvSpPr>
-          <p:nvPr>
-            <p:ph idx="1"/>
-          </p:nvPr>
-        </p:nvSpPr>
-        <p:spPr>
-          <a:xfrm>
-            <a:off x="684212" y="685801"/>
-            <a:ext cx="3924733" cy="1549400"/>
-          </a:xfrm>
-        </p:spPr>
-        <p:txBody>
-          <a:bodyPr>
-            <a:normAutofit fontScale="92500"/>
-          </a:bodyPr>
-          <a:lstStyle/>
-          <a:p>
-            <a:pPr marL="0" indent="0">
-              <a:buNone/>
-            </a:pPr>
-            <a:r>
-              <a:rPr lang="en-US" sz="4000" dirty="0" smtClean="0"/>
-              <a:t>BAGLUNG DATA FROM AREA 2:</a:t>
-            </a:r>
-          </a:p>
-        </p:txBody>
-      </p:sp>
-      <p:pic>
-        <p:nvPicPr>
-          <p:cNvPr id="5" name="Picture 4"/>
-          <p:cNvPicPr>
-            <a:picLocks noChangeAspect="1"/>
-          </p:cNvPicPr>
-          <p:nvPr/>
-        </p:nvPicPr>
-        <p:blipFill>
-          <a:blip r:embed="rId2"/>
-          <a:stretch>
-            <a:fillRect/>
-          </a:stretch>
-        </p:blipFill>
-        <p:spPr>
-          <a:xfrm>
-            <a:off x="137281" y="2385866"/>
-            <a:ext cx="11917438" cy="3349915"/>
-          </a:xfrm>
-          <a:prstGeom prst="rect">
-            <a:avLst/>
-          </a:prstGeom>
-        </p:spPr>
-      </p:pic>
-    </p:spTree>
-    <p:extLst>
-      <p:ext uri="{BB962C8B-B14F-4D97-AF65-F5344CB8AC3E}">
-        <p14:creationId xmlns:p14="http://schemas.microsoft.com/office/powerpoint/2010/main" val="1495286354"/>
-      </p:ext>
-    </p:extLst>
-  </p:cSld>
-  <p:clrMapOvr>
-    <a:masterClrMapping/>
-  </p:clrMapOvr>
-  <p:timing>
-    <p:tnLst>
-      <p:par>
-        <p:cTn id="1" dur="indefinite" restart="never" nodeType="tmRoot">
-          <p:childTnLst>
-            <p:seq concurrent="1" nextAc="seek">
-              <p:cTn id="2" dur="indefinite" nodeType="mainSeq">
-                <p:childTnLst>
-                  <p:par>
-                    <p:cTn id="3" fill="hold">
-                      <p:stCondLst>
-                        <p:cond delay="indefinite"/>
-                      </p:stCondLst>
-                      <p:childTnLst>
-                        <p:par>
-                          <p:cTn id="4" fill="hold">
-                            <p:stCondLst>
-                              <p:cond delay="0"/>
-                            </p:stCondLst>
-                            <p:childTnLst>
-                              <p:par>
-                                <p:cTn id="5" presetID="14" presetClass="entr" presetSubtype="10" fill="hold" grpId="0" nodeType="clickEffect">
-                                  <p:stCondLst>
-                                    <p:cond delay="0"/>
-                                  </p:stCondLst>
-                                  <p:childTnLst>
-                                    <p:set>
-                                      <p:cBhvr>
-                                        <p:cTn id="6" dur="1" fill="hold">
-                                          <p:stCondLst>
-                                            <p:cond delay="0"/>
-                                          </p:stCondLst>
-                                        </p:cTn>
-                                        <p:tgtEl>
-                                          <p:spTgt spid="3">
-                                            <p:txEl>
-                                              <p:pRg st="0" end="0"/>
-                                            </p:txEl>
-                                          </p:spTgt>
-                                        </p:tgtEl>
-                                        <p:attrNameLst>
-                                          <p:attrName>style.visibility</p:attrName>
-                                        </p:attrNameLst>
-                                      </p:cBhvr>
-                                      <p:to>
-                                        <p:strVal val="visible"/>
-                                      </p:to>
-                                    </p:set>
-                                    <p:animEffect transition="in" filter="randombar(horizontal)">
-                                      <p:cBhvr>
-                                        <p:cTn id="7" dur="500"/>
-                                        <p:tgtEl>
-                                          <p:spTgt spid="3">
-                                            <p:txEl>
-                                              <p:pRg st="0" end="0"/>
-                                            </p:txEl>
-                                          </p:spTgt>
-                                        </p:tgtEl>
-                                      </p:cBhvr>
-                                    </p:animEffect>
-                                  </p:childTnLst>
-                                </p:cTn>
-                              </p:par>
-                            </p:childTnLst>
-                          </p:cTn>
-                        </p:par>
-                      </p:childTnLst>
-                    </p:cTn>
-                  </p:par>
-                  <p:par>
-                    <p:cTn id="8" fill="hold">
-                      <p:stCondLst>
-                        <p:cond delay="indefinite"/>
-                      </p:stCondLst>
-                      <p:childTnLst>
-                        <p:par>
-                          <p:cTn id="9" fill="hold">
-                            <p:stCondLst>
-                              <p:cond delay="0"/>
-                            </p:stCondLst>
-                            <p:childTnLst>
-                              <p:par>
-                                <p:cTn id="10" presetID="2" presetClass="entr" presetSubtype="4" fill="hold" nodeType="clickEffect">
-                                  <p:stCondLst>
-                                    <p:cond delay="0"/>
-                                  </p:stCondLst>
-                                  <p:childTnLst>
-                                    <p:set>
-                                      <p:cBhvr>
-                                        <p:cTn id="11" dur="1" fill="hold">
-                                          <p:stCondLst>
-                                            <p:cond delay="0"/>
-                                          </p:stCondLst>
-                                        </p:cTn>
-                                        <p:tgtEl>
-                                          <p:spTgt spid="5"/>
-                                        </p:tgtEl>
-                                        <p:attrNameLst>
-                                          <p:attrName>style.visibility</p:attrName>
-                                        </p:attrNameLst>
-                                      </p:cBhvr>
-                                      <p:to>
-                                        <p:strVal val="visible"/>
-                                      </p:to>
-                                    </p:set>
-                                    <p:anim calcmode="lin" valueType="num">
-                                      <p:cBhvr additive="base">
-                                        <p:cTn id="12" dur="500" fill="hold"/>
-                                        <p:tgtEl>
-                                          <p:spTgt spid="5"/>
-                                        </p:tgtEl>
-                                        <p:attrNameLst>
-                                          <p:attrName>ppt_x</p:attrName>
-                                        </p:attrNameLst>
-                                      </p:cBhvr>
-                                      <p:tavLst>
-                                        <p:tav tm="0">
-                                          <p:val>
-                                            <p:strVal val="#ppt_x"/>
-                                          </p:val>
-                                        </p:tav>
-                                        <p:tav tm="100000">
-                                          <p:val>
-                                            <p:strVal val="#ppt_x"/>
-                                          </p:val>
-                                        </p:tav>
-                                      </p:tavLst>
-                                    </p:anim>
-                                    <p:anim calcmode="lin" valueType="num">
-                                      <p:cBhvr additive="base">
-                                        <p:cTn id="13" dur="500" fill="hold"/>
-                                        <p:tgtEl>
-                                          <p:spTgt spid="5"/>
-                                        </p:tgtEl>
-                                        <p:attrNameLst>
-                                          <p:attrName>ppt_y</p:attrName>
-                                        </p:attrNameLst>
-                                      </p:cBhvr>
-                                      <p:tavLst>
-                                        <p:tav tm="0">
-                                          <p:val>
-                                            <p:strVal val="1+#ppt_h/2"/>
-                                          </p:val>
-                                        </p:tav>
-                                        <p:tav tm="100000">
-                                          <p:val>
-                                            <p:strVal val="#ppt_y"/>
-                                          </p:val>
-                                        </p:tav>
-                                      </p:tavLst>
-                                    </p:anim>
-                                  </p:childTnLst>
-                                </p:cTn>
-                              </p:par>
-                            </p:childTnLst>
-                          </p:cTn>
-                        </p:par>
-                      </p:childTnLst>
-                    </p:cTn>
-                  </p:par>
-                </p:childTnLst>
-              </p:cTn>
-              <p:prevCondLst>
-                <p:cond evt="onPrev" delay="0">
-                  <p:tgtEl>
-                    <p:sldTgt/>
-                  </p:tgtEl>
-                </p:cond>
-              </p:prevCondLst>
-              <p:nextCondLst>
-                <p:cond evt="onNext" delay="0">
-                  <p:tgtEl>
-                    <p:sldTgt/>
-                  </p:tgtEl>
-                </p:cond>
-              </p:nextCondLst>
-            </p:seq>
-          </p:childTnLst>
-        </p:cTn>
-      </p:par>
-    </p:tnLst>
-    <p:bldLst>
-      <p:bldP spid="3" grpId="0" build="p"/>
-    </p:bldLst>
-  </p:timing>
-</p:sld>
-</file>
-
-<file path=ppt/slides/slide18.xml><?xml version="1.0" encoding="utf-8"?>
-<p:sld xmlns:a="http://schemas.openxmlformats.org/drawingml/2006/main" xmlns:r="http://schemas.openxmlformats.org/officeDocument/2006/relationships" xmlns:p="http://schemas.openxmlformats.org/presentationml/2006/main">
-  <p:cSld>
-    <p:spTree>
-      <p:nvGrpSpPr>
-        <p:cNvPr id="1" name=""/>
-        <p:cNvGrpSpPr/>
-        <p:nvPr/>
-      </p:nvGrpSpPr>
-      <p:grpSpPr>
-        <a:xfrm>
-          <a:off x="0" y="0"/>
-          <a:ext cx="0" cy="0"/>
-          <a:chOff x="0" y="0"/>
-          <a:chExt cx="0" cy="0"/>
-        </a:xfrm>
-      </p:grpSpPr>
-      <p:pic>
-        <p:nvPicPr>
-          <p:cNvPr id="4" name="Content Placeholder 3"/>
-          <p:cNvPicPr>
-            <a:picLocks noGrp="1" noChangeAspect="1"/>
-          </p:cNvPicPr>
-          <p:nvPr>
-            <p:ph idx="1"/>
-          </p:nvPr>
-        </p:nvPicPr>
-        <p:blipFill>
-          <a:blip r:embed="rId2">
-            <a:extLst>
-              <a:ext uri="{28A0092B-C50C-407E-A947-70E740481C1C}">
-                <a14:useLocalDpi xmlns:a14="http://schemas.microsoft.com/office/drawing/2010/main" val="0"/>
-              </a:ext>
-            </a:extLst>
-          </a:blip>
-          <a:stretch>
-            <a:fillRect/>
-          </a:stretch>
-        </p:blipFill>
-        <p:spPr>
-          <a:xfrm>
-            <a:off x="3059254" y="685799"/>
-            <a:ext cx="5779946" cy="5520939"/>
-          </a:xfrm>
-        </p:spPr>
-      </p:pic>
-    </p:spTree>
-    <p:extLst>
-      <p:ext uri="{BB962C8B-B14F-4D97-AF65-F5344CB8AC3E}">
-        <p14:creationId xmlns:p14="http://schemas.microsoft.com/office/powerpoint/2010/main" val="2569448734"/>
-      </p:ext>
-    </p:extLst>
-  </p:cSld>
-  <p:clrMapOvr>
-    <a:masterClrMapping/>
-  </p:clrMapOvr>
-  <p:timing>
-    <p:tnLst>
-      <p:par>
-        <p:cTn id="1" dur="indefinite" restart="never" nodeType="tmRoot">
-          <p:childTnLst>
-            <p:seq concurrent="1" nextAc="seek">
-              <p:cTn id="2" dur="indefinite" nodeType="mainSeq">
-                <p:childTnLst>
-                  <p:par>
-                    <p:cTn id="3" fill="hold">
-                      <p:stCondLst>
-                        <p:cond delay="indefinite"/>
-                      </p:stCondLst>
-                      <p:childTnLst>
-                        <p:par>
-                          <p:cTn id="4" fill="hold">
-                            <p:stCondLst>
-                              <p:cond delay="0"/>
-                            </p:stCondLst>
-                            <p:childTnLst>
-                              <p:par>
-                                <p:cTn id="5" presetID="53" presetClass="entr" presetSubtype="16" fill="hold" nodeType="clickEffect">
-                                  <p:stCondLst>
-                                    <p:cond delay="0"/>
-                                  </p:stCondLst>
-                                  <p:childTnLst>
-                                    <p:set>
-                                      <p:cBhvr>
-                                        <p:cTn id="6" dur="1" fill="hold">
-                                          <p:stCondLst>
-                                            <p:cond delay="0"/>
-                                          </p:stCondLst>
-                                        </p:cTn>
-                                        <p:tgtEl>
-                                          <p:spTgt spid="4"/>
-                                        </p:tgtEl>
-                                        <p:attrNameLst>
-                                          <p:attrName>style.visibility</p:attrName>
-                                        </p:attrNameLst>
-                                      </p:cBhvr>
-                                      <p:to>
-                                        <p:strVal val="visible"/>
-                                      </p:to>
-                                    </p:set>
-                                    <p:anim calcmode="lin" valueType="num">
-                                      <p:cBhvr>
-                                        <p:cTn id="7" dur="500" fill="hold"/>
-                                        <p:tgtEl>
-                                          <p:spTgt spid="4"/>
-                                        </p:tgtEl>
-                                        <p:attrNameLst>
-                                          <p:attrName>ppt_w</p:attrName>
-                                        </p:attrNameLst>
-                                      </p:cBhvr>
-                                      <p:tavLst>
-                                        <p:tav tm="0">
-                                          <p:val>
-                                            <p:fltVal val="0"/>
-                                          </p:val>
-                                        </p:tav>
-                                        <p:tav tm="100000">
-                                          <p:val>
-                                            <p:strVal val="#ppt_w"/>
-                                          </p:val>
-                                        </p:tav>
-                                      </p:tavLst>
-                                    </p:anim>
-                                    <p:anim calcmode="lin" valueType="num">
-                                      <p:cBhvr>
-                                        <p:cTn id="8" dur="500" fill="hold"/>
-                                        <p:tgtEl>
-                                          <p:spTgt spid="4"/>
-                                        </p:tgtEl>
-                                        <p:attrNameLst>
-                                          <p:attrName>ppt_h</p:attrName>
-                                        </p:attrNameLst>
-                                      </p:cBhvr>
-                                      <p:tavLst>
-                                        <p:tav tm="0">
-                                          <p:val>
-                                            <p:fltVal val="0"/>
-                                          </p:val>
-                                        </p:tav>
-                                        <p:tav tm="100000">
-                                          <p:val>
-                                            <p:strVal val="#ppt_h"/>
-                                          </p:val>
-                                        </p:tav>
-                                      </p:tavLst>
-                                    </p:anim>
-                                    <p:animEffect transition="in" filter="fade">
-                                      <p:cBhvr>
-                                        <p:cTn id="9" dur="500"/>
-                                        <p:tgtEl>
-                                          <p:spTgt spid="4"/>
-                                        </p:tgtEl>
-                                      </p:cBhvr>
-                                    </p:animEffect>
-                                  </p:childTnLst>
-                                </p:cTn>
-                              </p:par>
-                            </p:childTnLst>
-                          </p:cTn>
-                        </p:par>
-                      </p:childTnLst>
-                    </p:cTn>
-                  </p:par>
-                </p:childTnLst>
-              </p:cTn>
-              <p:prevCondLst>
-                <p:cond evt="onPrev" delay="0">
-                  <p:tgtEl>
-                    <p:sldTgt/>
-                  </p:tgtEl>
-                </p:cond>
-              </p:prevCondLst>
-              <p:nextCondLst>
-                <p:cond evt="onNext" delay="0">
-                  <p:tgtEl>
-                    <p:sldTgt/>
-                  </p:tgtEl>
-                </p:cond>
-              </p:nextCondLst>
-            </p:seq>
-          </p:childTnLst>
-        </p:cTn>
-      </p:par>
-    </p:tnLst>
   </p:timing>
 </p:sld>
 </file>
@@ -8452,7 +8619,1868 @@
 </p:sld>
 </file>
 
+<file path=ppt/slides/slide20.xml><?xml version="1.0" encoding="utf-8"?>
+<p:sld xmlns:a="http://schemas.openxmlformats.org/drawingml/2006/main" xmlns:r="http://schemas.openxmlformats.org/officeDocument/2006/relationships" xmlns:p="http://schemas.openxmlformats.org/presentationml/2006/main">
+  <p:cSld>
+    <p:spTree>
+      <p:nvGrpSpPr>
+        <p:cNvPr id="1" name=""/>
+        <p:cNvGrpSpPr/>
+        <p:nvPr/>
+      </p:nvGrpSpPr>
+      <p:grpSpPr>
+        <a:xfrm>
+          <a:off x="0" y="0"/>
+          <a:ext cx="0" cy="0"/>
+          <a:chOff x="0" y="0"/>
+          <a:chExt cx="0" cy="0"/>
+        </a:xfrm>
+      </p:grpSpPr>
+      <p:sp>
+        <p:nvSpPr>
+          <p:cNvPr id="2" name="Title 1"/>
+          <p:cNvSpPr>
+            <a:spLocks noGrp="1"/>
+          </p:cNvSpPr>
+          <p:nvPr>
+            <p:ph type="title"/>
+          </p:nvPr>
+        </p:nvSpPr>
+        <p:spPr/>
+        <p:txBody>
+          <a:bodyPr/>
+          <a:lstStyle/>
+          <a:p>
+            <a:endParaRPr lang="en-US"/>
+          </a:p>
+        </p:txBody>
+      </p:sp>
+      <p:pic>
+        <p:nvPicPr>
+          <p:cNvPr id="4" name="Content Placeholder 3"/>
+          <p:cNvPicPr>
+            <a:picLocks noGrp="1" noChangeAspect="1"/>
+          </p:cNvPicPr>
+          <p:nvPr>
+            <p:ph idx="1"/>
+          </p:nvPr>
+        </p:nvPicPr>
+        <p:blipFill>
+          <a:blip r:embed="rId2">
+            <a:extLst>
+              <a:ext uri="{28A0092B-C50C-407E-A947-70E740481C1C}">
+                <a14:useLocalDpi xmlns:a14="http://schemas.microsoft.com/office/drawing/2010/main" val="0"/>
+              </a:ext>
+            </a:extLst>
+          </a:blip>
+          <a:stretch>
+            <a:fillRect/>
+          </a:stretch>
+        </p:blipFill>
+        <p:spPr>
+          <a:xfrm>
+            <a:off x="2084007" y="611909"/>
+            <a:ext cx="7134605" cy="5465618"/>
+          </a:xfrm>
+        </p:spPr>
+      </p:pic>
+    </p:spTree>
+    <p:extLst>
+      <p:ext uri="{BB962C8B-B14F-4D97-AF65-F5344CB8AC3E}">
+        <p14:creationId xmlns:p14="http://schemas.microsoft.com/office/powerpoint/2010/main" val="3534632163"/>
+      </p:ext>
+    </p:extLst>
+  </p:cSld>
+  <p:clrMapOvr>
+    <a:masterClrMapping/>
+  </p:clrMapOvr>
+  <p:timing>
+    <p:tnLst>
+      <p:par>
+        <p:cTn id="1" dur="indefinite" restart="never" nodeType="tmRoot">
+          <p:childTnLst>
+            <p:seq concurrent="1" nextAc="seek">
+              <p:cTn id="2" dur="indefinite" nodeType="mainSeq">
+                <p:childTnLst>
+                  <p:par>
+                    <p:cTn id="3" fill="hold">
+                      <p:stCondLst>
+                        <p:cond delay="indefinite"/>
+                      </p:stCondLst>
+                      <p:childTnLst>
+                        <p:par>
+                          <p:cTn id="4" fill="hold">
+                            <p:stCondLst>
+                              <p:cond delay="0"/>
+                            </p:stCondLst>
+                            <p:childTnLst>
+                              <p:par>
+                                <p:cTn id="5" presetID="53" presetClass="entr" presetSubtype="16" fill="hold" nodeType="clickEffect">
+                                  <p:stCondLst>
+                                    <p:cond delay="0"/>
+                                  </p:stCondLst>
+                                  <p:childTnLst>
+                                    <p:set>
+                                      <p:cBhvr>
+                                        <p:cTn id="6" dur="1" fill="hold">
+                                          <p:stCondLst>
+                                            <p:cond delay="0"/>
+                                          </p:stCondLst>
+                                        </p:cTn>
+                                        <p:tgtEl>
+                                          <p:spTgt spid="4"/>
+                                        </p:tgtEl>
+                                        <p:attrNameLst>
+                                          <p:attrName>style.visibility</p:attrName>
+                                        </p:attrNameLst>
+                                      </p:cBhvr>
+                                      <p:to>
+                                        <p:strVal val="visible"/>
+                                      </p:to>
+                                    </p:set>
+                                    <p:anim calcmode="lin" valueType="num">
+                                      <p:cBhvr>
+                                        <p:cTn id="7" dur="500" fill="hold"/>
+                                        <p:tgtEl>
+                                          <p:spTgt spid="4"/>
+                                        </p:tgtEl>
+                                        <p:attrNameLst>
+                                          <p:attrName>ppt_w</p:attrName>
+                                        </p:attrNameLst>
+                                      </p:cBhvr>
+                                      <p:tavLst>
+                                        <p:tav tm="0">
+                                          <p:val>
+                                            <p:fltVal val="0"/>
+                                          </p:val>
+                                        </p:tav>
+                                        <p:tav tm="100000">
+                                          <p:val>
+                                            <p:strVal val="#ppt_w"/>
+                                          </p:val>
+                                        </p:tav>
+                                      </p:tavLst>
+                                    </p:anim>
+                                    <p:anim calcmode="lin" valueType="num">
+                                      <p:cBhvr>
+                                        <p:cTn id="8" dur="500" fill="hold"/>
+                                        <p:tgtEl>
+                                          <p:spTgt spid="4"/>
+                                        </p:tgtEl>
+                                        <p:attrNameLst>
+                                          <p:attrName>ppt_h</p:attrName>
+                                        </p:attrNameLst>
+                                      </p:cBhvr>
+                                      <p:tavLst>
+                                        <p:tav tm="0">
+                                          <p:val>
+                                            <p:fltVal val="0"/>
+                                          </p:val>
+                                        </p:tav>
+                                        <p:tav tm="100000">
+                                          <p:val>
+                                            <p:strVal val="#ppt_h"/>
+                                          </p:val>
+                                        </p:tav>
+                                      </p:tavLst>
+                                    </p:anim>
+                                    <p:animEffect transition="in" filter="fade">
+                                      <p:cBhvr>
+                                        <p:cTn id="9" dur="500"/>
+                                        <p:tgtEl>
+                                          <p:spTgt spid="4"/>
+                                        </p:tgtEl>
+                                      </p:cBhvr>
+                                    </p:animEffect>
+                                  </p:childTnLst>
+                                </p:cTn>
+                              </p:par>
+                            </p:childTnLst>
+                          </p:cTn>
+                        </p:par>
+                      </p:childTnLst>
+                    </p:cTn>
+                  </p:par>
+                </p:childTnLst>
+              </p:cTn>
+              <p:prevCondLst>
+                <p:cond evt="onPrev" delay="0">
+                  <p:tgtEl>
+                    <p:sldTgt/>
+                  </p:tgtEl>
+                </p:cond>
+              </p:prevCondLst>
+              <p:nextCondLst>
+                <p:cond evt="onNext" delay="0">
+                  <p:tgtEl>
+                    <p:sldTgt/>
+                  </p:tgtEl>
+                </p:cond>
+              </p:nextCondLst>
+            </p:seq>
+          </p:childTnLst>
+        </p:cTn>
+      </p:par>
+    </p:tnLst>
+  </p:timing>
+</p:sld>
+</file>
+
+<file path=ppt/slides/slide21.xml><?xml version="1.0" encoding="utf-8"?>
+<p:sld xmlns:a="http://schemas.openxmlformats.org/drawingml/2006/main" xmlns:r="http://schemas.openxmlformats.org/officeDocument/2006/relationships" xmlns:p="http://schemas.openxmlformats.org/presentationml/2006/main">
+  <p:cSld>
+    <p:spTree>
+      <p:nvGrpSpPr>
+        <p:cNvPr id="1" name=""/>
+        <p:cNvGrpSpPr/>
+        <p:nvPr/>
+      </p:nvGrpSpPr>
+      <p:grpSpPr>
+        <a:xfrm>
+          <a:off x="0" y="0"/>
+          <a:ext cx="0" cy="0"/>
+          <a:chOff x="0" y="0"/>
+          <a:chExt cx="0" cy="0"/>
+        </a:xfrm>
+      </p:grpSpPr>
+      <p:sp>
+        <p:nvSpPr>
+          <p:cNvPr id="2" name="Title 1"/>
+          <p:cNvSpPr>
+            <a:spLocks noGrp="1"/>
+          </p:cNvSpPr>
+          <p:nvPr>
+            <p:ph type="title"/>
+          </p:nvPr>
+        </p:nvSpPr>
+        <p:spPr/>
+        <p:txBody>
+          <a:bodyPr/>
+          <a:lstStyle/>
+          <a:p>
+            <a:endParaRPr lang="en-US"/>
+          </a:p>
+        </p:txBody>
+      </p:sp>
+      <p:sp>
+        <p:nvSpPr>
+          <p:cNvPr id="3" name="Content Placeholder 2"/>
+          <p:cNvSpPr>
+            <a:spLocks noGrp="1"/>
+          </p:cNvSpPr>
+          <p:nvPr>
+            <p:ph idx="1"/>
+          </p:nvPr>
+        </p:nvSpPr>
+        <p:spPr>
+          <a:xfrm>
+            <a:off x="684212" y="685801"/>
+            <a:ext cx="3924733" cy="1549400"/>
+          </a:xfrm>
+        </p:spPr>
+        <p:txBody>
+          <a:bodyPr>
+            <a:normAutofit fontScale="77500" lnSpcReduction="20000"/>
+          </a:bodyPr>
+          <a:lstStyle/>
+          <a:p>
+            <a:pPr marL="0" indent="0">
+              <a:buNone/>
+            </a:pPr>
+            <a:r>
+              <a:rPr lang="en-US" sz="4000" dirty="0" smtClean="0"/>
+              <a:t>BAGLUNG </a:t>
+            </a:r>
+            <a:r>
+              <a:rPr lang="en-US" sz="4000" dirty="0" smtClean="0"/>
+              <a:t>UNCLEANED DATA </a:t>
+            </a:r>
+            <a:r>
+              <a:rPr lang="en-US" sz="4000" dirty="0" smtClean="0"/>
+              <a:t>FROM AREA 1:</a:t>
+            </a:r>
+          </a:p>
+        </p:txBody>
+      </p:sp>
+      <p:pic>
+        <p:nvPicPr>
+          <p:cNvPr id="5" name="Picture 4"/>
+          <p:cNvPicPr>
+            <a:picLocks noChangeAspect="1"/>
+          </p:cNvPicPr>
+          <p:nvPr/>
+        </p:nvPicPr>
+        <p:blipFill>
+          <a:blip r:embed="rId2"/>
+          <a:stretch>
+            <a:fillRect/>
+          </a:stretch>
+        </p:blipFill>
+        <p:spPr>
+          <a:xfrm>
+            <a:off x="354646" y="2735440"/>
+            <a:ext cx="11593543" cy="2505425"/>
+          </a:xfrm>
+          <a:prstGeom prst="rect">
+            <a:avLst/>
+          </a:prstGeom>
+        </p:spPr>
+      </p:pic>
+    </p:spTree>
+    <p:extLst>
+      <p:ext uri="{BB962C8B-B14F-4D97-AF65-F5344CB8AC3E}">
+        <p14:creationId xmlns:p14="http://schemas.microsoft.com/office/powerpoint/2010/main" val="805777047"/>
+      </p:ext>
+    </p:extLst>
+  </p:cSld>
+  <p:clrMapOvr>
+    <a:masterClrMapping/>
+  </p:clrMapOvr>
+  <p:timing>
+    <p:tnLst>
+      <p:par>
+        <p:cTn id="1" dur="indefinite" restart="never" nodeType="tmRoot">
+          <p:childTnLst>
+            <p:seq concurrent="1" nextAc="seek">
+              <p:cTn id="2" dur="indefinite" nodeType="mainSeq">
+                <p:childTnLst>
+                  <p:par>
+                    <p:cTn id="3" fill="hold">
+                      <p:stCondLst>
+                        <p:cond delay="indefinite"/>
+                      </p:stCondLst>
+                      <p:childTnLst>
+                        <p:par>
+                          <p:cTn id="4" fill="hold">
+                            <p:stCondLst>
+                              <p:cond delay="0"/>
+                            </p:stCondLst>
+                            <p:childTnLst>
+                              <p:par>
+                                <p:cTn id="5" presetID="21" presetClass="entr" presetSubtype="1" fill="hold" grpId="0" nodeType="clickEffect">
+                                  <p:stCondLst>
+                                    <p:cond delay="0"/>
+                                  </p:stCondLst>
+                                  <p:childTnLst>
+                                    <p:set>
+                                      <p:cBhvr>
+                                        <p:cTn id="6" dur="1" fill="hold">
+                                          <p:stCondLst>
+                                            <p:cond delay="0"/>
+                                          </p:stCondLst>
+                                        </p:cTn>
+                                        <p:tgtEl>
+                                          <p:spTgt spid="3">
+                                            <p:txEl>
+                                              <p:pRg st="0" end="0"/>
+                                            </p:txEl>
+                                          </p:spTgt>
+                                        </p:tgtEl>
+                                        <p:attrNameLst>
+                                          <p:attrName>style.visibility</p:attrName>
+                                        </p:attrNameLst>
+                                      </p:cBhvr>
+                                      <p:to>
+                                        <p:strVal val="visible"/>
+                                      </p:to>
+                                    </p:set>
+                                    <p:animEffect transition="in" filter="wheel(1)">
+                                      <p:cBhvr>
+                                        <p:cTn id="7" dur="2000"/>
+                                        <p:tgtEl>
+                                          <p:spTgt spid="3">
+                                            <p:txEl>
+                                              <p:pRg st="0" end="0"/>
+                                            </p:txEl>
+                                          </p:spTgt>
+                                        </p:tgtEl>
+                                      </p:cBhvr>
+                                    </p:animEffect>
+                                  </p:childTnLst>
+                                </p:cTn>
+                              </p:par>
+                            </p:childTnLst>
+                          </p:cTn>
+                        </p:par>
+                      </p:childTnLst>
+                    </p:cTn>
+                  </p:par>
+                </p:childTnLst>
+              </p:cTn>
+              <p:prevCondLst>
+                <p:cond evt="onPrev" delay="0">
+                  <p:tgtEl>
+                    <p:sldTgt/>
+                  </p:tgtEl>
+                </p:cond>
+              </p:prevCondLst>
+              <p:nextCondLst>
+                <p:cond evt="onNext" delay="0">
+                  <p:tgtEl>
+                    <p:sldTgt/>
+                  </p:tgtEl>
+                </p:cond>
+              </p:nextCondLst>
+            </p:seq>
+          </p:childTnLst>
+        </p:cTn>
+      </p:par>
+    </p:tnLst>
+    <p:bldLst>
+      <p:bldP spid="3" grpId="0" build="p"/>
+    </p:bldLst>
+  </p:timing>
+</p:sld>
+</file>
+
+<file path=ppt/slides/slide22.xml><?xml version="1.0" encoding="utf-8"?>
+<p:sld xmlns:a="http://schemas.openxmlformats.org/drawingml/2006/main" xmlns:r="http://schemas.openxmlformats.org/officeDocument/2006/relationships" xmlns:p="http://schemas.openxmlformats.org/presentationml/2006/main">
+  <p:cSld>
+    <p:spTree>
+      <p:nvGrpSpPr>
+        <p:cNvPr id="1" name=""/>
+        <p:cNvGrpSpPr/>
+        <p:nvPr/>
+      </p:nvGrpSpPr>
+      <p:grpSpPr>
+        <a:xfrm>
+          <a:off x="0" y="0"/>
+          <a:ext cx="0" cy="0"/>
+          <a:chOff x="0" y="0"/>
+          <a:chExt cx="0" cy="0"/>
+        </a:xfrm>
+      </p:grpSpPr>
+      <p:sp>
+        <p:nvSpPr>
+          <p:cNvPr id="2" name="Title 1"/>
+          <p:cNvSpPr>
+            <a:spLocks noGrp="1"/>
+          </p:cNvSpPr>
+          <p:nvPr>
+            <p:ph type="title"/>
+          </p:nvPr>
+        </p:nvSpPr>
+        <p:spPr/>
+        <p:txBody>
+          <a:bodyPr/>
+          <a:lstStyle/>
+          <a:p>
+            <a:endParaRPr lang="en-US"/>
+          </a:p>
+        </p:txBody>
+      </p:sp>
+      <p:sp>
+        <p:nvSpPr>
+          <p:cNvPr id="3" name="Content Placeholder 2"/>
+          <p:cNvSpPr>
+            <a:spLocks noGrp="1"/>
+          </p:cNvSpPr>
+          <p:nvPr>
+            <p:ph idx="1"/>
+          </p:nvPr>
+        </p:nvSpPr>
+        <p:spPr>
+          <a:xfrm>
+            <a:off x="684212" y="685801"/>
+            <a:ext cx="3924733" cy="1549400"/>
+          </a:xfrm>
+        </p:spPr>
+        <p:txBody>
+          <a:bodyPr>
+            <a:normAutofit fontScale="92500"/>
+          </a:bodyPr>
+          <a:lstStyle/>
+          <a:p>
+            <a:pPr marL="0" indent="0">
+              <a:buNone/>
+            </a:pPr>
+            <a:r>
+              <a:rPr lang="en-US" sz="4000" dirty="0" smtClean="0"/>
+              <a:t>BAGLUNG DATA FROM AREA 1:</a:t>
+            </a:r>
+          </a:p>
+        </p:txBody>
+      </p:sp>
+      <p:pic>
+        <p:nvPicPr>
+          <p:cNvPr id="4" name="Picture 3"/>
+          <p:cNvPicPr>
+            <a:picLocks noChangeAspect="1"/>
+          </p:cNvPicPr>
+          <p:nvPr/>
+        </p:nvPicPr>
+        <p:blipFill>
+          <a:blip r:embed="rId2"/>
+          <a:stretch>
+            <a:fillRect/>
+          </a:stretch>
+        </p:blipFill>
+        <p:spPr>
+          <a:xfrm>
+            <a:off x="189385" y="2808253"/>
+            <a:ext cx="11831701" cy="3186145"/>
+          </a:xfrm>
+          <a:prstGeom prst="rect">
+            <a:avLst/>
+          </a:prstGeom>
+        </p:spPr>
+      </p:pic>
+    </p:spTree>
+    <p:extLst>
+      <p:ext uri="{BB962C8B-B14F-4D97-AF65-F5344CB8AC3E}">
+        <p14:creationId xmlns:p14="http://schemas.microsoft.com/office/powerpoint/2010/main" val="3772441639"/>
+      </p:ext>
+    </p:extLst>
+  </p:cSld>
+  <p:clrMapOvr>
+    <a:masterClrMapping/>
+  </p:clrMapOvr>
+  <p:timing>
+    <p:tnLst>
+      <p:par>
+        <p:cTn id="1" dur="indefinite" restart="never" nodeType="tmRoot">
+          <p:childTnLst>
+            <p:seq concurrent="1" nextAc="seek">
+              <p:cTn id="2" dur="indefinite" nodeType="mainSeq">
+                <p:childTnLst>
+                  <p:par>
+                    <p:cTn id="3" fill="hold">
+                      <p:stCondLst>
+                        <p:cond delay="indefinite"/>
+                      </p:stCondLst>
+                      <p:childTnLst>
+                        <p:par>
+                          <p:cTn id="4" fill="hold">
+                            <p:stCondLst>
+                              <p:cond delay="0"/>
+                            </p:stCondLst>
+                            <p:childTnLst>
+                              <p:par>
+                                <p:cTn id="5" presetID="21" presetClass="entr" presetSubtype="1" fill="hold" grpId="0" nodeType="clickEffect">
+                                  <p:stCondLst>
+                                    <p:cond delay="0"/>
+                                  </p:stCondLst>
+                                  <p:childTnLst>
+                                    <p:set>
+                                      <p:cBhvr>
+                                        <p:cTn id="6" dur="1" fill="hold">
+                                          <p:stCondLst>
+                                            <p:cond delay="0"/>
+                                          </p:stCondLst>
+                                        </p:cTn>
+                                        <p:tgtEl>
+                                          <p:spTgt spid="3">
+                                            <p:txEl>
+                                              <p:pRg st="0" end="0"/>
+                                            </p:txEl>
+                                          </p:spTgt>
+                                        </p:tgtEl>
+                                        <p:attrNameLst>
+                                          <p:attrName>style.visibility</p:attrName>
+                                        </p:attrNameLst>
+                                      </p:cBhvr>
+                                      <p:to>
+                                        <p:strVal val="visible"/>
+                                      </p:to>
+                                    </p:set>
+                                    <p:animEffect transition="in" filter="wheel(1)">
+                                      <p:cBhvr>
+                                        <p:cTn id="7" dur="2000"/>
+                                        <p:tgtEl>
+                                          <p:spTgt spid="3">
+                                            <p:txEl>
+                                              <p:pRg st="0" end="0"/>
+                                            </p:txEl>
+                                          </p:spTgt>
+                                        </p:tgtEl>
+                                      </p:cBhvr>
+                                    </p:animEffect>
+                                  </p:childTnLst>
+                                </p:cTn>
+                              </p:par>
+                            </p:childTnLst>
+                          </p:cTn>
+                        </p:par>
+                      </p:childTnLst>
+                    </p:cTn>
+                  </p:par>
+                  <p:par>
+                    <p:cTn id="8" fill="hold">
+                      <p:stCondLst>
+                        <p:cond delay="indefinite"/>
+                      </p:stCondLst>
+                      <p:childTnLst>
+                        <p:par>
+                          <p:cTn id="9" fill="hold">
+                            <p:stCondLst>
+                              <p:cond delay="0"/>
+                            </p:stCondLst>
+                            <p:childTnLst>
+                              <p:par>
+                                <p:cTn id="10" presetID="2" presetClass="entr" presetSubtype="4" fill="hold" nodeType="clickEffect">
+                                  <p:stCondLst>
+                                    <p:cond delay="0"/>
+                                  </p:stCondLst>
+                                  <p:childTnLst>
+                                    <p:set>
+                                      <p:cBhvr>
+                                        <p:cTn id="11" dur="1" fill="hold">
+                                          <p:stCondLst>
+                                            <p:cond delay="0"/>
+                                          </p:stCondLst>
+                                        </p:cTn>
+                                        <p:tgtEl>
+                                          <p:spTgt spid="4"/>
+                                        </p:tgtEl>
+                                        <p:attrNameLst>
+                                          <p:attrName>style.visibility</p:attrName>
+                                        </p:attrNameLst>
+                                      </p:cBhvr>
+                                      <p:to>
+                                        <p:strVal val="visible"/>
+                                      </p:to>
+                                    </p:set>
+                                    <p:anim calcmode="lin" valueType="num">
+                                      <p:cBhvr additive="base">
+                                        <p:cTn id="12" dur="500" fill="hold"/>
+                                        <p:tgtEl>
+                                          <p:spTgt spid="4"/>
+                                        </p:tgtEl>
+                                        <p:attrNameLst>
+                                          <p:attrName>ppt_x</p:attrName>
+                                        </p:attrNameLst>
+                                      </p:cBhvr>
+                                      <p:tavLst>
+                                        <p:tav tm="0">
+                                          <p:val>
+                                            <p:strVal val="#ppt_x"/>
+                                          </p:val>
+                                        </p:tav>
+                                        <p:tav tm="100000">
+                                          <p:val>
+                                            <p:strVal val="#ppt_x"/>
+                                          </p:val>
+                                        </p:tav>
+                                      </p:tavLst>
+                                    </p:anim>
+                                    <p:anim calcmode="lin" valueType="num">
+                                      <p:cBhvr additive="base">
+                                        <p:cTn id="13" dur="500" fill="hold"/>
+                                        <p:tgtEl>
+                                          <p:spTgt spid="4"/>
+                                        </p:tgtEl>
+                                        <p:attrNameLst>
+                                          <p:attrName>ppt_y</p:attrName>
+                                        </p:attrNameLst>
+                                      </p:cBhvr>
+                                      <p:tavLst>
+                                        <p:tav tm="0">
+                                          <p:val>
+                                            <p:strVal val="1+#ppt_h/2"/>
+                                          </p:val>
+                                        </p:tav>
+                                        <p:tav tm="100000">
+                                          <p:val>
+                                            <p:strVal val="#ppt_y"/>
+                                          </p:val>
+                                        </p:tav>
+                                      </p:tavLst>
+                                    </p:anim>
+                                  </p:childTnLst>
+                                </p:cTn>
+                              </p:par>
+                            </p:childTnLst>
+                          </p:cTn>
+                        </p:par>
+                      </p:childTnLst>
+                    </p:cTn>
+                  </p:par>
+                </p:childTnLst>
+              </p:cTn>
+              <p:prevCondLst>
+                <p:cond evt="onPrev" delay="0">
+                  <p:tgtEl>
+                    <p:sldTgt/>
+                  </p:tgtEl>
+                </p:cond>
+              </p:prevCondLst>
+              <p:nextCondLst>
+                <p:cond evt="onNext" delay="0">
+                  <p:tgtEl>
+                    <p:sldTgt/>
+                  </p:tgtEl>
+                </p:cond>
+              </p:nextCondLst>
+            </p:seq>
+          </p:childTnLst>
+        </p:cTn>
+      </p:par>
+    </p:tnLst>
+    <p:bldLst>
+      <p:bldP spid="3" grpId="0" build="p"/>
+    </p:bldLst>
+  </p:timing>
+</p:sld>
+</file>
+
+<file path=ppt/slides/slide23.xml><?xml version="1.0" encoding="utf-8"?>
+<p:sld xmlns:a="http://schemas.openxmlformats.org/drawingml/2006/main" xmlns:r="http://schemas.openxmlformats.org/officeDocument/2006/relationships" xmlns:p="http://schemas.openxmlformats.org/presentationml/2006/main">
+  <p:cSld>
+    <p:spTree>
+      <p:nvGrpSpPr>
+        <p:cNvPr id="1" name=""/>
+        <p:cNvGrpSpPr/>
+        <p:nvPr/>
+      </p:nvGrpSpPr>
+      <p:grpSpPr>
+        <a:xfrm>
+          <a:off x="0" y="0"/>
+          <a:ext cx="0" cy="0"/>
+          <a:chOff x="0" y="0"/>
+          <a:chExt cx="0" cy="0"/>
+        </a:xfrm>
+      </p:grpSpPr>
+      <p:sp>
+        <p:nvSpPr>
+          <p:cNvPr id="2" name="Title 1"/>
+          <p:cNvSpPr>
+            <a:spLocks noGrp="1"/>
+          </p:cNvSpPr>
+          <p:nvPr>
+            <p:ph type="title"/>
+          </p:nvPr>
+        </p:nvSpPr>
+        <p:spPr/>
+        <p:txBody>
+          <a:bodyPr/>
+          <a:lstStyle/>
+          <a:p>
+            <a:endParaRPr lang="en-US"/>
+          </a:p>
+        </p:txBody>
+      </p:sp>
+      <p:pic>
+        <p:nvPicPr>
+          <p:cNvPr id="4" name="Content Placeholder 3"/>
+          <p:cNvPicPr>
+            <a:picLocks noGrp="1" noChangeAspect="1"/>
+          </p:cNvPicPr>
+          <p:nvPr>
+            <p:ph idx="1"/>
+          </p:nvPr>
+        </p:nvPicPr>
+        <p:blipFill>
+          <a:blip r:embed="rId2">
+            <a:extLst>
+              <a:ext uri="{28A0092B-C50C-407E-A947-70E740481C1C}">
+                <a14:useLocalDpi xmlns:a14="http://schemas.microsoft.com/office/drawing/2010/main" val="0"/>
+              </a:ext>
+            </a:extLst>
+          </a:blip>
+          <a:stretch>
+            <a:fillRect/>
+          </a:stretch>
+        </p:blipFill>
+        <p:spPr>
+          <a:xfrm>
+            <a:off x="2456873" y="445653"/>
+            <a:ext cx="6549301" cy="5753067"/>
+          </a:xfrm>
+        </p:spPr>
+      </p:pic>
+    </p:spTree>
+    <p:extLst>
+      <p:ext uri="{BB962C8B-B14F-4D97-AF65-F5344CB8AC3E}">
+        <p14:creationId xmlns:p14="http://schemas.microsoft.com/office/powerpoint/2010/main" val="2413833752"/>
+      </p:ext>
+    </p:extLst>
+  </p:cSld>
+  <p:clrMapOvr>
+    <a:masterClrMapping/>
+  </p:clrMapOvr>
+  <p:timing>
+    <p:tnLst>
+      <p:par>
+        <p:cTn id="1" dur="indefinite" restart="never" nodeType="tmRoot">
+          <p:childTnLst>
+            <p:seq concurrent="1" nextAc="seek">
+              <p:cTn id="2" dur="indefinite" nodeType="mainSeq">
+                <p:childTnLst>
+                  <p:par>
+                    <p:cTn id="3" fill="hold">
+                      <p:stCondLst>
+                        <p:cond delay="indefinite"/>
+                      </p:stCondLst>
+                      <p:childTnLst>
+                        <p:par>
+                          <p:cTn id="4" fill="hold">
+                            <p:stCondLst>
+                              <p:cond delay="0"/>
+                            </p:stCondLst>
+                            <p:childTnLst>
+                              <p:par>
+                                <p:cTn id="5" presetID="53" presetClass="entr" presetSubtype="16" fill="hold" nodeType="clickEffect">
+                                  <p:stCondLst>
+                                    <p:cond delay="0"/>
+                                  </p:stCondLst>
+                                  <p:childTnLst>
+                                    <p:set>
+                                      <p:cBhvr>
+                                        <p:cTn id="6" dur="1" fill="hold">
+                                          <p:stCondLst>
+                                            <p:cond delay="0"/>
+                                          </p:stCondLst>
+                                        </p:cTn>
+                                        <p:tgtEl>
+                                          <p:spTgt spid="4"/>
+                                        </p:tgtEl>
+                                        <p:attrNameLst>
+                                          <p:attrName>style.visibility</p:attrName>
+                                        </p:attrNameLst>
+                                      </p:cBhvr>
+                                      <p:to>
+                                        <p:strVal val="visible"/>
+                                      </p:to>
+                                    </p:set>
+                                    <p:anim calcmode="lin" valueType="num">
+                                      <p:cBhvr>
+                                        <p:cTn id="7" dur="500" fill="hold"/>
+                                        <p:tgtEl>
+                                          <p:spTgt spid="4"/>
+                                        </p:tgtEl>
+                                        <p:attrNameLst>
+                                          <p:attrName>ppt_w</p:attrName>
+                                        </p:attrNameLst>
+                                      </p:cBhvr>
+                                      <p:tavLst>
+                                        <p:tav tm="0">
+                                          <p:val>
+                                            <p:fltVal val="0"/>
+                                          </p:val>
+                                        </p:tav>
+                                        <p:tav tm="100000">
+                                          <p:val>
+                                            <p:strVal val="#ppt_w"/>
+                                          </p:val>
+                                        </p:tav>
+                                      </p:tavLst>
+                                    </p:anim>
+                                    <p:anim calcmode="lin" valueType="num">
+                                      <p:cBhvr>
+                                        <p:cTn id="8" dur="500" fill="hold"/>
+                                        <p:tgtEl>
+                                          <p:spTgt spid="4"/>
+                                        </p:tgtEl>
+                                        <p:attrNameLst>
+                                          <p:attrName>ppt_h</p:attrName>
+                                        </p:attrNameLst>
+                                      </p:cBhvr>
+                                      <p:tavLst>
+                                        <p:tav tm="0">
+                                          <p:val>
+                                            <p:fltVal val="0"/>
+                                          </p:val>
+                                        </p:tav>
+                                        <p:tav tm="100000">
+                                          <p:val>
+                                            <p:strVal val="#ppt_h"/>
+                                          </p:val>
+                                        </p:tav>
+                                      </p:tavLst>
+                                    </p:anim>
+                                    <p:animEffect transition="in" filter="fade">
+                                      <p:cBhvr>
+                                        <p:cTn id="9" dur="500"/>
+                                        <p:tgtEl>
+                                          <p:spTgt spid="4"/>
+                                        </p:tgtEl>
+                                      </p:cBhvr>
+                                    </p:animEffect>
+                                  </p:childTnLst>
+                                </p:cTn>
+                              </p:par>
+                            </p:childTnLst>
+                          </p:cTn>
+                        </p:par>
+                      </p:childTnLst>
+                    </p:cTn>
+                  </p:par>
+                </p:childTnLst>
+              </p:cTn>
+              <p:prevCondLst>
+                <p:cond evt="onPrev" delay="0">
+                  <p:tgtEl>
+                    <p:sldTgt/>
+                  </p:tgtEl>
+                </p:cond>
+              </p:prevCondLst>
+              <p:nextCondLst>
+                <p:cond evt="onNext" delay="0">
+                  <p:tgtEl>
+                    <p:sldTgt/>
+                  </p:tgtEl>
+                </p:cond>
+              </p:nextCondLst>
+            </p:seq>
+          </p:childTnLst>
+        </p:cTn>
+      </p:par>
+    </p:tnLst>
+  </p:timing>
+</p:sld>
+</file>
+
+<file path=ppt/slides/slide24.xml><?xml version="1.0" encoding="utf-8"?>
+<p:sld xmlns:a="http://schemas.openxmlformats.org/drawingml/2006/main" xmlns:r="http://schemas.openxmlformats.org/officeDocument/2006/relationships" xmlns:p="http://schemas.openxmlformats.org/presentationml/2006/main">
+  <p:cSld>
+    <p:spTree>
+      <p:nvGrpSpPr>
+        <p:cNvPr id="1" name=""/>
+        <p:cNvGrpSpPr/>
+        <p:nvPr/>
+      </p:nvGrpSpPr>
+      <p:grpSpPr>
+        <a:xfrm>
+          <a:off x="0" y="0"/>
+          <a:ext cx="0" cy="0"/>
+          <a:chOff x="0" y="0"/>
+          <a:chExt cx="0" cy="0"/>
+        </a:xfrm>
+      </p:grpSpPr>
+      <p:sp>
+        <p:nvSpPr>
+          <p:cNvPr id="2" name="Title 1"/>
+          <p:cNvSpPr>
+            <a:spLocks noGrp="1"/>
+          </p:cNvSpPr>
+          <p:nvPr>
+            <p:ph type="title"/>
+          </p:nvPr>
+        </p:nvSpPr>
+        <p:spPr/>
+        <p:txBody>
+          <a:bodyPr/>
+          <a:lstStyle/>
+          <a:p>
+            <a:endParaRPr lang="en-US"/>
+          </a:p>
+        </p:txBody>
+      </p:sp>
+      <p:sp>
+        <p:nvSpPr>
+          <p:cNvPr id="3" name="Content Placeholder 2"/>
+          <p:cNvSpPr>
+            <a:spLocks noGrp="1"/>
+          </p:cNvSpPr>
+          <p:nvPr>
+            <p:ph idx="1"/>
+          </p:nvPr>
+        </p:nvSpPr>
+        <p:spPr>
+          <a:xfrm>
+            <a:off x="684212" y="685801"/>
+            <a:ext cx="3924733" cy="1549400"/>
+          </a:xfrm>
+        </p:spPr>
+        <p:txBody>
+          <a:bodyPr>
+            <a:normAutofit fontScale="77500" lnSpcReduction="20000"/>
+          </a:bodyPr>
+          <a:lstStyle/>
+          <a:p>
+            <a:pPr marL="0" indent="0">
+              <a:buNone/>
+            </a:pPr>
+            <a:r>
+              <a:rPr lang="en-US" sz="4000" dirty="0" smtClean="0"/>
+              <a:t>BAGLUNG </a:t>
+            </a:r>
+            <a:r>
+              <a:rPr lang="en-US" sz="4000" dirty="0" smtClean="0"/>
+              <a:t>UNCLEANED DATA </a:t>
+            </a:r>
+            <a:r>
+              <a:rPr lang="en-US" sz="4000" dirty="0" smtClean="0"/>
+              <a:t>FROM AREA 2:</a:t>
+            </a:r>
+          </a:p>
+        </p:txBody>
+      </p:sp>
+      <p:pic>
+        <p:nvPicPr>
+          <p:cNvPr id="4" name="Picture 3"/>
+          <p:cNvPicPr>
+            <a:picLocks noChangeAspect="1"/>
+          </p:cNvPicPr>
+          <p:nvPr/>
+        </p:nvPicPr>
+        <p:blipFill>
+          <a:blip r:embed="rId2"/>
+          <a:stretch>
+            <a:fillRect/>
+          </a:stretch>
+        </p:blipFill>
+        <p:spPr>
+          <a:xfrm>
+            <a:off x="439514" y="2865287"/>
+            <a:ext cx="11479227" cy="2593403"/>
+          </a:xfrm>
+          <a:prstGeom prst="rect">
+            <a:avLst/>
+          </a:prstGeom>
+        </p:spPr>
+      </p:pic>
+    </p:spTree>
+    <p:extLst>
+      <p:ext uri="{BB962C8B-B14F-4D97-AF65-F5344CB8AC3E}">
+        <p14:creationId xmlns:p14="http://schemas.microsoft.com/office/powerpoint/2010/main" val="1495286354"/>
+      </p:ext>
+    </p:extLst>
+  </p:cSld>
+  <p:clrMapOvr>
+    <a:masterClrMapping/>
+  </p:clrMapOvr>
+  <p:timing>
+    <p:tnLst>
+      <p:par>
+        <p:cTn id="1" dur="indefinite" restart="never" nodeType="tmRoot">
+          <p:childTnLst>
+            <p:seq concurrent="1" nextAc="seek">
+              <p:cTn id="2" dur="indefinite" nodeType="mainSeq">
+                <p:childTnLst>
+                  <p:par>
+                    <p:cTn id="3" fill="hold">
+                      <p:stCondLst>
+                        <p:cond delay="indefinite"/>
+                      </p:stCondLst>
+                      <p:childTnLst>
+                        <p:par>
+                          <p:cTn id="4" fill="hold">
+                            <p:stCondLst>
+                              <p:cond delay="0"/>
+                            </p:stCondLst>
+                            <p:childTnLst>
+                              <p:par>
+                                <p:cTn id="5" presetID="14" presetClass="entr" presetSubtype="10" fill="hold" grpId="0" nodeType="clickEffect">
+                                  <p:stCondLst>
+                                    <p:cond delay="0"/>
+                                  </p:stCondLst>
+                                  <p:childTnLst>
+                                    <p:set>
+                                      <p:cBhvr>
+                                        <p:cTn id="6" dur="1" fill="hold">
+                                          <p:stCondLst>
+                                            <p:cond delay="0"/>
+                                          </p:stCondLst>
+                                        </p:cTn>
+                                        <p:tgtEl>
+                                          <p:spTgt spid="3">
+                                            <p:txEl>
+                                              <p:pRg st="0" end="0"/>
+                                            </p:txEl>
+                                          </p:spTgt>
+                                        </p:tgtEl>
+                                        <p:attrNameLst>
+                                          <p:attrName>style.visibility</p:attrName>
+                                        </p:attrNameLst>
+                                      </p:cBhvr>
+                                      <p:to>
+                                        <p:strVal val="visible"/>
+                                      </p:to>
+                                    </p:set>
+                                    <p:animEffect transition="in" filter="randombar(horizontal)">
+                                      <p:cBhvr>
+                                        <p:cTn id="7" dur="500"/>
+                                        <p:tgtEl>
+                                          <p:spTgt spid="3">
+                                            <p:txEl>
+                                              <p:pRg st="0" end="0"/>
+                                            </p:txEl>
+                                          </p:spTgt>
+                                        </p:tgtEl>
+                                      </p:cBhvr>
+                                    </p:animEffect>
+                                  </p:childTnLst>
+                                </p:cTn>
+                              </p:par>
+                            </p:childTnLst>
+                          </p:cTn>
+                        </p:par>
+                      </p:childTnLst>
+                    </p:cTn>
+                  </p:par>
+                </p:childTnLst>
+              </p:cTn>
+              <p:prevCondLst>
+                <p:cond evt="onPrev" delay="0">
+                  <p:tgtEl>
+                    <p:sldTgt/>
+                  </p:tgtEl>
+                </p:cond>
+              </p:prevCondLst>
+              <p:nextCondLst>
+                <p:cond evt="onNext" delay="0">
+                  <p:tgtEl>
+                    <p:sldTgt/>
+                  </p:tgtEl>
+                </p:cond>
+              </p:nextCondLst>
+            </p:seq>
+          </p:childTnLst>
+        </p:cTn>
+      </p:par>
+    </p:tnLst>
+    <p:bldLst>
+      <p:bldP spid="3" grpId="0" build="p"/>
+    </p:bldLst>
+  </p:timing>
+</p:sld>
+</file>
+
+<file path=ppt/slides/slide25.xml><?xml version="1.0" encoding="utf-8"?>
+<p:sld xmlns:a="http://schemas.openxmlformats.org/drawingml/2006/main" xmlns:r="http://schemas.openxmlformats.org/officeDocument/2006/relationships" xmlns:p="http://schemas.openxmlformats.org/presentationml/2006/main">
+  <p:cSld>
+    <p:spTree>
+      <p:nvGrpSpPr>
+        <p:cNvPr id="1" name=""/>
+        <p:cNvGrpSpPr/>
+        <p:nvPr/>
+      </p:nvGrpSpPr>
+      <p:grpSpPr>
+        <a:xfrm>
+          <a:off x="0" y="0"/>
+          <a:ext cx="0" cy="0"/>
+          <a:chOff x="0" y="0"/>
+          <a:chExt cx="0" cy="0"/>
+        </a:xfrm>
+      </p:grpSpPr>
+      <p:sp>
+        <p:nvSpPr>
+          <p:cNvPr id="2" name="Title 1"/>
+          <p:cNvSpPr>
+            <a:spLocks noGrp="1"/>
+          </p:cNvSpPr>
+          <p:nvPr>
+            <p:ph type="title"/>
+          </p:nvPr>
+        </p:nvSpPr>
+        <p:spPr/>
+        <p:txBody>
+          <a:bodyPr/>
+          <a:lstStyle/>
+          <a:p>
+            <a:endParaRPr lang="en-US"/>
+          </a:p>
+        </p:txBody>
+      </p:sp>
+      <p:sp>
+        <p:nvSpPr>
+          <p:cNvPr id="3" name="Content Placeholder 2"/>
+          <p:cNvSpPr>
+            <a:spLocks noGrp="1"/>
+          </p:cNvSpPr>
+          <p:nvPr>
+            <p:ph idx="1"/>
+          </p:nvPr>
+        </p:nvSpPr>
+        <p:spPr>
+          <a:xfrm>
+            <a:off x="684212" y="685801"/>
+            <a:ext cx="3924733" cy="1549400"/>
+          </a:xfrm>
+        </p:spPr>
+        <p:txBody>
+          <a:bodyPr>
+            <a:normAutofit fontScale="92500"/>
+          </a:bodyPr>
+          <a:lstStyle/>
+          <a:p>
+            <a:pPr marL="0" indent="0">
+              <a:buNone/>
+            </a:pPr>
+            <a:r>
+              <a:rPr lang="en-US" sz="4000" dirty="0" smtClean="0"/>
+              <a:t>BAGLUNG DATA FROM AREA 2:</a:t>
+            </a:r>
+          </a:p>
+        </p:txBody>
+      </p:sp>
+      <p:pic>
+        <p:nvPicPr>
+          <p:cNvPr id="5" name="Picture 4"/>
+          <p:cNvPicPr>
+            <a:picLocks noChangeAspect="1"/>
+          </p:cNvPicPr>
+          <p:nvPr/>
+        </p:nvPicPr>
+        <p:blipFill>
+          <a:blip r:embed="rId2"/>
+          <a:stretch>
+            <a:fillRect/>
+          </a:stretch>
+        </p:blipFill>
+        <p:spPr>
+          <a:xfrm>
+            <a:off x="137281" y="2385866"/>
+            <a:ext cx="11917438" cy="3349915"/>
+          </a:xfrm>
+          <a:prstGeom prst="rect">
+            <a:avLst/>
+          </a:prstGeom>
+        </p:spPr>
+      </p:pic>
+    </p:spTree>
+    <p:extLst>
+      <p:ext uri="{BB962C8B-B14F-4D97-AF65-F5344CB8AC3E}">
+        <p14:creationId xmlns:p14="http://schemas.microsoft.com/office/powerpoint/2010/main" val="4230031150"/>
+      </p:ext>
+    </p:extLst>
+  </p:cSld>
+  <p:clrMapOvr>
+    <a:masterClrMapping/>
+  </p:clrMapOvr>
+  <p:timing>
+    <p:tnLst>
+      <p:par>
+        <p:cTn id="1" dur="indefinite" restart="never" nodeType="tmRoot">
+          <p:childTnLst>
+            <p:seq concurrent="1" nextAc="seek">
+              <p:cTn id="2" dur="indefinite" nodeType="mainSeq">
+                <p:childTnLst>
+                  <p:par>
+                    <p:cTn id="3" fill="hold">
+                      <p:stCondLst>
+                        <p:cond delay="indefinite"/>
+                      </p:stCondLst>
+                      <p:childTnLst>
+                        <p:par>
+                          <p:cTn id="4" fill="hold">
+                            <p:stCondLst>
+                              <p:cond delay="0"/>
+                            </p:stCondLst>
+                            <p:childTnLst>
+                              <p:par>
+                                <p:cTn id="5" presetID="14" presetClass="entr" presetSubtype="10" fill="hold" grpId="0" nodeType="clickEffect">
+                                  <p:stCondLst>
+                                    <p:cond delay="0"/>
+                                  </p:stCondLst>
+                                  <p:childTnLst>
+                                    <p:set>
+                                      <p:cBhvr>
+                                        <p:cTn id="6" dur="1" fill="hold">
+                                          <p:stCondLst>
+                                            <p:cond delay="0"/>
+                                          </p:stCondLst>
+                                        </p:cTn>
+                                        <p:tgtEl>
+                                          <p:spTgt spid="3">
+                                            <p:txEl>
+                                              <p:pRg st="0" end="0"/>
+                                            </p:txEl>
+                                          </p:spTgt>
+                                        </p:tgtEl>
+                                        <p:attrNameLst>
+                                          <p:attrName>style.visibility</p:attrName>
+                                        </p:attrNameLst>
+                                      </p:cBhvr>
+                                      <p:to>
+                                        <p:strVal val="visible"/>
+                                      </p:to>
+                                    </p:set>
+                                    <p:animEffect transition="in" filter="randombar(horizontal)">
+                                      <p:cBhvr>
+                                        <p:cTn id="7" dur="500"/>
+                                        <p:tgtEl>
+                                          <p:spTgt spid="3">
+                                            <p:txEl>
+                                              <p:pRg st="0" end="0"/>
+                                            </p:txEl>
+                                          </p:spTgt>
+                                        </p:tgtEl>
+                                      </p:cBhvr>
+                                    </p:animEffect>
+                                  </p:childTnLst>
+                                </p:cTn>
+                              </p:par>
+                            </p:childTnLst>
+                          </p:cTn>
+                        </p:par>
+                      </p:childTnLst>
+                    </p:cTn>
+                  </p:par>
+                  <p:par>
+                    <p:cTn id="8" fill="hold">
+                      <p:stCondLst>
+                        <p:cond delay="indefinite"/>
+                      </p:stCondLst>
+                      <p:childTnLst>
+                        <p:par>
+                          <p:cTn id="9" fill="hold">
+                            <p:stCondLst>
+                              <p:cond delay="0"/>
+                            </p:stCondLst>
+                            <p:childTnLst>
+                              <p:par>
+                                <p:cTn id="10" presetID="2" presetClass="entr" presetSubtype="4" fill="hold" nodeType="clickEffect">
+                                  <p:stCondLst>
+                                    <p:cond delay="0"/>
+                                  </p:stCondLst>
+                                  <p:childTnLst>
+                                    <p:set>
+                                      <p:cBhvr>
+                                        <p:cTn id="11" dur="1" fill="hold">
+                                          <p:stCondLst>
+                                            <p:cond delay="0"/>
+                                          </p:stCondLst>
+                                        </p:cTn>
+                                        <p:tgtEl>
+                                          <p:spTgt spid="5"/>
+                                        </p:tgtEl>
+                                        <p:attrNameLst>
+                                          <p:attrName>style.visibility</p:attrName>
+                                        </p:attrNameLst>
+                                      </p:cBhvr>
+                                      <p:to>
+                                        <p:strVal val="visible"/>
+                                      </p:to>
+                                    </p:set>
+                                    <p:anim calcmode="lin" valueType="num">
+                                      <p:cBhvr additive="base">
+                                        <p:cTn id="12" dur="500" fill="hold"/>
+                                        <p:tgtEl>
+                                          <p:spTgt spid="5"/>
+                                        </p:tgtEl>
+                                        <p:attrNameLst>
+                                          <p:attrName>ppt_x</p:attrName>
+                                        </p:attrNameLst>
+                                      </p:cBhvr>
+                                      <p:tavLst>
+                                        <p:tav tm="0">
+                                          <p:val>
+                                            <p:strVal val="#ppt_x"/>
+                                          </p:val>
+                                        </p:tav>
+                                        <p:tav tm="100000">
+                                          <p:val>
+                                            <p:strVal val="#ppt_x"/>
+                                          </p:val>
+                                        </p:tav>
+                                      </p:tavLst>
+                                    </p:anim>
+                                    <p:anim calcmode="lin" valueType="num">
+                                      <p:cBhvr additive="base">
+                                        <p:cTn id="13" dur="500" fill="hold"/>
+                                        <p:tgtEl>
+                                          <p:spTgt spid="5"/>
+                                        </p:tgtEl>
+                                        <p:attrNameLst>
+                                          <p:attrName>ppt_y</p:attrName>
+                                        </p:attrNameLst>
+                                      </p:cBhvr>
+                                      <p:tavLst>
+                                        <p:tav tm="0">
+                                          <p:val>
+                                            <p:strVal val="1+#ppt_h/2"/>
+                                          </p:val>
+                                        </p:tav>
+                                        <p:tav tm="100000">
+                                          <p:val>
+                                            <p:strVal val="#ppt_y"/>
+                                          </p:val>
+                                        </p:tav>
+                                      </p:tavLst>
+                                    </p:anim>
+                                  </p:childTnLst>
+                                </p:cTn>
+                              </p:par>
+                            </p:childTnLst>
+                          </p:cTn>
+                        </p:par>
+                      </p:childTnLst>
+                    </p:cTn>
+                  </p:par>
+                </p:childTnLst>
+              </p:cTn>
+              <p:prevCondLst>
+                <p:cond evt="onPrev" delay="0">
+                  <p:tgtEl>
+                    <p:sldTgt/>
+                  </p:tgtEl>
+                </p:cond>
+              </p:prevCondLst>
+              <p:nextCondLst>
+                <p:cond evt="onNext" delay="0">
+                  <p:tgtEl>
+                    <p:sldTgt/>
+                  </p:tgtEl>
+                </p:cond>
+              </p:nextCondLst>
+            </p:seq>
+          </p:childTnLst>
+        </p:cTn>
+      </p:par>
+    </p:tnLst>
+    <p:bldLst>
+      <p:bldP spid="3" grpId="0" build="p"/>
+    </p:bldLst>
+  </p:timing>
+</p:sld>
+</file>
+
+<file path=ppt/slides/slide26.xml><?xml version="1.0" encoding="utf-8"?>
+<p:sld xmlns:a="http://schemas.openxmlformats.org/drawingml/2006/main" xmlns:r="http://schemas.openxmlformats.org/officeDocument/2006/relationships" xmlns:p="http://schemas.openxmlformats.org/presentationml/2006/main">
+  <p:cSld>
+    <p:spTree>
+      <p:nvGrpSpPr>
+        <p:cNvPr id="1" name=""/>
+        <p:cNvGrpSpPr/>
+        <p:nvPr/>
+      </p:nvGrpSpPr>
+      <p:grpSpPr>
+        <a:xfrm>
+          <a:off x="0" y="0"/>
+          <a:ext cx="0" cy="0"/>
+          <a:chOff x="0" y="0"/>
+          <a:chExt cx="0" cy="0"/>
+        </a:xfrm>
+      </p:grpSpPr>
+      <p:pic>
+        <p:nvPicPr>
+          <p:cNvPr id="4" name="Content Placeholder 3"/>
+          <p:cNvPicPr>
+            <a:picLocks noGrp="1" noChangeAspect="1"/>
+          </p:cNvPicPr>
+          <p:nvPr>
+            <p:ph idx="1"/>
+          </p:nvPr>
+        </p:nvPicPr>
+        <p:blipFill>
+          <a:blip r:embed="rId2">
+            <a:extLst>
+              <a:ext uri="{28A0092B-C50C-407E-A947-70E740481C1C}">
+                <a14:useLocalDpi xmlns:a14="http://schemas.microsoft.com/office/drawing/2010/main" val="0"/>
+              </a:ext>
+            </a:extLst>
+          </a:blip>
+          <a:stretch>
+            <a:fillRect/>
+          </a:stretch>
+        </p:blipFill>
+        <p:spPr>
+          <a:xfrm>
+            <a:off x="3059254" y="685799"/>
+            <a:ext cx="5779946" cy="5520939"/>
+          </a:xfrm>
+        </p:spPr>
+      </p:pic>
+    </p:spTree>
+    <p:extLst>
+      <p:ext uri="{BB962C8B-B14F-4D97-AF65-F5344CB8AC3E}">
+        <p14:creationId xmlns:p14="http://schemas.microsoft.com/office/powerpoint/2010/main" val="2569448734"/>
+      </p:ext>
+    </p:extLst>
+  </p:cSld>
+  <p:clrMapOvr>
+    <a:masterClrMapping/>
+  </p:clrMapOvr>
+  <p:timing>
+    <p:tnLst>
+      <p:par>
+        <p:cTn id="1" dur="indefinite" restart="never" nodeType="tmRoot">
+          <p:childTnLst>
+            <p:seq concurrent="1" nextAc="seek">
+              <p:cTn id="2" dur="indefinite" nodeType="mainSeq">
+                <p:childTnLst>
+                  <p:par>
+                    <p:cTn id="3" fill="hold">
+                      <p:stCondLst>
+                        <p:cond delay="indefinite"/>
+                      </p:stCondLst>
+                      <p:childTnLst>
+                        <p:par>
+                          <p:cTn id="4" fill="hold">
+                            <p:stCondLst>
+                              <p:cond delay="0"/>
+                            </p:stCondLst>
+                            <p:childTnLst>
+                              <p:par>
+                                <p:cTn id="5" presetID="53" presetClass="entr" presetSubtype="16" fill="hold" nodeType="clickEffect">
+                                  <p:stCondLst>
+                                    <p:cond delay="0"/>
+                                  </p:stCondLst>
+                                  <p:childTnLst>
+                                    <p:set>
+                                      <p:cBhvr>
+                                        <p:cTn id="6" dur="1" fill="hold">
+                                          <p:stCondLst>
+                                            <p:cond delay="0"/>
+                                          </p:stCondLst>
+                                        </p:cTn>
+                                        <p:tgtEl>
+                                          <p:spTgt spid="4"/>
+                                        </p:tgtEl>
+                                        <p:attrNameLst>
+                                          <p:attrName>style.visibility</p:attrName>
+                                        </p:attrNameLst>
+                                      </p:cBhvr>
+                                      <p:to>
+                                        <p:strVal val="visible"/>
+                                      </p:to>
+                                    </p:set>
+                                    <p:anim calcmode="lin" valueType="num">
+                                      <p:cBhvr>
+                                        <p:cTn id="7" dur="500" fill="hold"/>
+                                        <p:tgtEl>
+                                          <p:spTgt spid="4"/>
+                                        </p:tgtEl>
+                                        <p:attrNameLst>
+                                          <p:attrName>ppt_w</p:attrName>
+                                        </p:attrNameLst>
+                                      </p:cBhvr>
+                                      <p:tavLst>
+                                        <p:tav tm="0">
+                                          <p:val>
+                                            <p:fltVal val="0"/>
+                                          </p:val>
+                                        </p:tav>
+                                        <p:tav tm="100000">
+                                          <p:val>
+                                            <p:strVal val="#ppt_w"/>
+                                          </p:val>
+                                        </p:tav>
+                                      </p:tavLst>
+                                    </p:anim>
+                                    <p:anim calcmode="lin" valueType="num">
+                                      <p:cBhvr>
+                                        <p:cTn id="8" dur="500" fill="hold"/>
+                                        <p:tgtEl>
+                                          <p:spTgt spid="4"/>
+                                        </p:tgtEl>
+                                        <p:attrNameLst>
+                                          <p:attrName>ppt_h</p:attrName>
+                                        </p:attrNameLst>
+                                      </p:cBhvr>
+                                      <p:tavLst>
+                                        <p:tav tm="0">
+                                          <p:val>
+                                            <p:fltVal val="0"/>
+                                          </p:val>
+                                        </p:tav>
+                                        <p:tav tm="100000">
+                                          <p:val>
+                                            <p:strVal val="#ppt_h"/>
+                                          </p:val>
+                                        </p:tav>
+                                      </p:tavLst>
+                                    </p:anim>
+                                    <p:animEffect transition="in" filter="fade">
+                                      <p:cBhvr>
+                                        <p:cTn id="9" dur="500"/>
+                                        <p:tgtEl>
+                                          <p:spTgt spid="4"/>
+                                        </p:tgtEl>
+                                      </p:cBhvr>
+                                    </p:animEffect>
+                                  </p:childTnLst>
+                                </p:cTn>
+                              </p:par>
+                            </p:childTnLst>
+                          </p:cTn>
+                        </p:par>
+                      </p:childTnLst>
+                    </p:cTn>
+                  </p:par>
+                </p:childTnLst>
+              </p:cTn>
+              <p:prevCondLst>
+                <p:cond evt="onPrev" delay="0">
+                  <p:tgtEl>
+                    <p:sldTgt/>
+                  </p:tgtEl>
+                </p:cond>
+              </p:prevCondLst>
+              <p:nextCondLst>
+                <p:cond evt="onNext" delay="0">
+                  <p:tgtEl>
+                    <p:sldTgt/>
+                  </p:tgtEl>
+                </p:cond>
+              </p:nextCondLst>
+            </p:seq>
+          </p:childTnLst>
+        </p:cTn>
+      </p:par>
+    </p:tnLst>
+  </p:timing>
+</p:sld>
+</file>
+
 <file path=ppt/slides/slide3.xml><?xml version="1.0" encoding="utf-8"?>
+<p:sld xmlns:a="http://schemas.openxmlformats.org/drawingml/2006/main" xmlns:r="http://schemas.openxmlformats.org/officeDocument/2006/relationships" xmlns:p="http://schemas.openxmlformats.org/presentationml/2006/main">
+  <p:cSld>
+    <p:spTree>
+      <p:nvGrpSpPr>
+        <p:cNvPr id="1" name=""/>
+        <p:cNvGrpSpPr/>
+        <p:nvPr/>
+      </p:nvGrpSpPr>
+      <p:grpSpPr>
+        <a:xfrm>
+          <a:off x="0" y="0"/>
+          <a:ext cx="0" cy="0"/>
+          <a:chOff x="0" y="0"/>
+          <a:chExt cx="0" cy="0"/>
+        </a:xfrm>
+      </p:grpSpPr>
+      <p:pic>
+        <p:nvPicPr>
+          <p:cNvPr id="5" name="Picture 4"/>
+          <p:cNvPicPr>
+            <a:picLocks noChangeAspect="1"/>
+          </p:cNvPicPr>
+          <p:nvPr/>
+        </p:nvPicPr>
+        <p:blipFill>
+          <a:blip r:embed="rId2"/>
+          <a:stretch>
+            <a:fillRect/>
+          </a:stretch>
+        </p:blipFill>
+        <p:spPr>
+          <a:xfrm>
+            <a:off x="157018" y="2096655"/>
+            <a:ext cx="11307753" cy="4458322"/>
+          </a:xfrm>
+          <a:prstGeom prst="rect">
+            <a:avLst/>
+          </a:prstGeom>
+        </p:spPr>
+      </p:pic>
+      <p:sp>
+        <p:nvSpPr>
+          <p:cNvPr id="2" name="Title 1"/>
+          <p:cNvSpPr>
+            <a:spLocks noGrp="1"/>
+          </p:cNvSpPr>
+          <p:nvPr>
+            <p:ph type="title"/>
+          </p:nvPr>
+        </p:nvSpPr>
+        <p:spPr/>
+        <p:txBody>
+          <a:bodyPr/>
+          <a:lstStyle/>
+          <a:p>
+            <a:endParaRPr lang="en-US" dirty="0"/>
+          </a:p>
+        </p:txBody>
+      </p:sp>
+      <p:sp>
+        <p:nvSpPr>
+          <p:cNvPr id="3" name="Content Placeholder 2"/>
+          <p:cNvSpPr>
+            <a:spLocks noGrp="1"/>
+          </p:cNvSpPr>
+          <p:nvPr>
+            <p:ph idx="1"/>
+          </p:nvPr>
+        </p:nvSpPr>
+        <p:spPr>
+          <a:xfrm>
+            <a:off x="684212" y="685801"/>
+            <a:ext cx="4996152" cy="1549400"/>
+          </a:xfrm>
+        </p:spPr>
+        <p:txBody>
+          <a:bodyPr>
+            <a:normAutofit fontScale="92500"/>
+          </a:bodyPr>
+          <a:lstStyle/>
+          <a:p>
+            <a:pPr marL="0" indent="0">
+              <a:buNone/>
+            </a:pPr>
+            <a:r>
+              <a:rPr lang="en-US" sz="4000" dirty="0" smtClean="0"/>
+              <a:t>KASKI </a:t>
+            </a:r>
+            <a:r>
+              <a:rPr lang="en-US" sz="4000" dirty="0" smtClean="0"/>
+              <a:t>UNCLEANED </a:t>
+            </a:r>
+            <a:r>
+              <a:rPr lang="en-US" sz="4000" dirty="0" smtClean="0"/>
+              <a:t>DATA </a:t>
+            </a:r>
+            <a:r>
+              <a:rPr lang="en-US" sz="4000" dirty="0" smtClean="0"/>
+              <a:t>FROM AREA 1:</a:t>
+            </a:r>
+          </a:p>
+        </p:txBody>
+      </p:sp>
+    </p:spTree>
+    <p:extLst>
+      <p:ext uri="{BB962C8B-B14F-4D97-AF65-F5344CB8AC3E}">
+        <p14:creationId xmlns:p14="http://schemas.microsoft.com/office/powerpoint/2010/main" val="3549653652"/>
+      </p:ext>
+    </p:extLst>
+  </p:cSld>
+  <p:clrMapOvr>
+    <a:masterClrMapping/>
+  </p:clrMapOvr>
+  <p:timing>
+    <p:tnLst>
+      <p:par>
+        <p:cTn id="1" dur="indefinite" restart="never" nodeType="tmRoot">
+          <p:childTnLst>
+            <p:seq concurrent="1" nextAc="seek">
+              <p:cTn id="2" dur="indefinite" nodeType="mainSeq">
+                <p:childTnLst>
+                  <p:par>
+                    <p:cTn id="3" fill="hold">
+                      <p:stCondLst>
+                        <p:cond delay="indefinite"/>
+                      </p:stCondLst>
+                      <p:childTnLst>
+                        <p:par>
+                          <p:cTn id="4" fill="hold">
+                            <p:stCondLst>
+                              <p:cond delay="0"/>
+                            </p:stCondLst>
+                            <p:childTnLst>
+                              <p:par>
+                                <p:cTn id="5" presetID="53" presetClass="entr" presetSubtype="16" fill="hold" grpId="0" nodeType="clickEffect">
+                                  <p:stCondLst>
+                                    <p:cond delay="0"/>
+                                  </p:stCondLst>
+                                  <p:childTnLst>
+                                    <p:set>
+                                      <p:cBhvr>
+                                        <p:cTn id="6" dur="1" fill="hold">
+                                          <p:stCondLst>
+                                            <p:cond delay="0"/>
+                                          </p:stCondLst>
+                                        </p:cTn>
+                                        <p:tgtEl>
+                                          <p:spTgt spid="3">
+                                            <p:txEl>
+                                              <p:pRg st="0" end="0"/>
+                                            </p:txEl>
+                                          </p:spTgt>
+                                        </p:tgtEl>
+                                        <p:attrNameLst>
+                                          <p:attrName>style.visibility</p:attrName>
+                                        </p:attrNameLst>
+                                      </p:cBhvr>
+                                      <p:to>
+                                        <p:strVal val="visible"/>
+                                      </p:to>
+                                    </p:set>
+                                    <p:anim calcmode="lin" valueType="num">
+                                      <p:cBhvr>
+                                        <p:cTn id="7" dur="500" fill="hold"/>
+                                        <p:tgtEl>
+                                          <p:spTgt spid="3">
+                                            <p:txEl>
+                                              <p:pRg st="0" end="0"/>
+                                            </p:txEl>
+                                          </p:spTgt>
+                                        </p:tgtEl>
+                                        <p:attrNameLst>
+                                          <p:attrName>ppt_w</p:attrName>
+                                        </p:attrNameLst>
+                                      </p:cBhvr>
+                                      <p:tavLst>
+                                        <p:tav tm="0">
+                                          <p:val>
+                                            <p:fltVal val="0"/>
+                                          </p:val>
+                                        </p:tav>
+                                        <p:tav tm="100000">
+                                          <p:val>
+                                            <p:strVal val="#ppt_w"/>
+                                          </p:val>
+                                        </p:tav>
+                                      </p:tavLst>
+                                    </p:anim>
+                                    <p:anim calcmode="lin" valueType="num">
+                                      <p:cBhvr>
+                                        <p:cTn id="8" dur="500" fill="hold"/>
+                                        <p:tgtEl>
+                                          <p:spTgt spid="3">
+                                            <p:txEl>
+                                              <p:pRg st="0" end="0"/>
+                                            </p:txEl>
+                                          </p:spTgt>
+                                        </p:tgtEl>
+                                        <p:attrNameLst>
+                                          <p:attrName>ppt_h</p:attrName>
+                                        </p:attrNameLst>
+                                      </p:cBhvr>
+                                      <p:tavLst>
+                                        <p:tav tm="0">
+                                          <p:val>
+                                            <p:fltVal val="0"/>
+                                          </p:val>
+                                        </p:tav>
+                                        <p:tav tm="100000">
+                                          <p:val>
+                                            <p:strVal val="#ppt_h"/>
+                                          </p:val>
+                                        </p:tav>
+                                      </p:tavLst>
+                                    </p:anim>
+                                    <p:animEffect transition="in" filter="fade">
+                                      <p:cBhvr>
+                                        <p:cTn id="9" dur="500"/>
+                                        <p:tgtEl>
+                                          <p:spTgt spid="3">
+                                            <p:txEl>
+                                              <p:pRg st="0" end="0"/>
+                                            </p:txEl>
+                                          </p:spTgt>
+                                        </p:tgtEl>
+                                      </p:cBhvr>
+                                    </p:animEffect>
+                                  </p:childTnLst>
+                                </p:cTn>
+                              </p:par>
+                            </p:childTnLst>
+                          </p:cTn>
+                        </p:par>
+                      </p:childTnLst>
+                    </p:cTn>
+                  </p:par>
+                </p:childTnLst>
+              </p:cTn>
+              <p:prevCondLst>
+                <p:cond evt="onPrev" delay="0">
+                  <p:tgtEl>
+                    <p:sldTgt/>
+                  </p:tgtEl>
+                </p:cond>
+              </p:prevCondLst>
+              <p:nextCondLst>
+                <p:cond evt="onNext" delay="0">
+                  <p:tgtEl>
+                    <p:sldTgt/>
+                  </p:tgtEl>
+                </p:cond>
+              </p:nextCondLst>
+            </p:seq>
+          </p:childTnLst>
+        </p:cTn>
+      </p:par>
+    </p:tnLst>
+    <p:bldLst>
+      <p:bldP spid="3" grpId="0" build="p"/>
+    </p:bldLst>
+  </p:timing>
+</p:sld>
+</file>
+
+<file path=ppt/slides/slide4.xml><?xml version="1.0" encoding="utf-8"?>
 <p:sld xmlns:a="http://schemas.openxmlformats.org/drawingml/2006/main" xmlns:r="http://schemas.openxmlformats.org/officeDocument/2006/relationships" xmlns:p="http://schemas.openxmlformats.org/presentationml/2006/main">
   <p:cSld>
     <p:spTree>
@@ -8796,7 +10824,7 @@
 </p:sld>
 </file>
 
-<file path=ppt/slides/slide4.xml><?xml version="1.0" encoding="utf-8"?>
+<file path=ppt/slides/slide5.xml><?xml version="1.0" encoding="utf-8"?>
 <p:sld xmlns:a="http://schemas.openxmlformats.org/drawingml/2006/main" xmlns:r="http://schemas.openxmlformats.org/officeDocument/2006/relationships" xmlns:p="http://schemas.openxmlformats.org/presentationml/2006/main">
   <p:cSld>
     <p:spTree>
@@ -8984,7 +11012,214 @@
 </p:sld>
 </file>
 
-<file path=ppt/slides/slide5.xml><?xml version="1.0" encoding="utf-8"?>
+<file path=ppt/slides/slide6.xml><?xml version="1.0" encoding="utf-8"?>
+<p:sld xmlns:a="http://schemas.openxmlformats.org/drawingml/2006/main" xmlns:r="http://schemas.openxmlformats.org/officeDocument/2006/relationships" xmlns:p="http://schemas.openxmlformats.org/presentationml/2006/main">
+  <p:cSld>
+    <p:spTree>
+      <p:nvGrpSpPr>
+        <p:cNvPr id="1" name=""/>
+        <p:cNvGrpSpPr/>
+        <p:nvPr/>
+      </p:nvGrpSpPr>
+      <p:grpSpPr>
+        <a:xfrm>
+          <a:off x="0" y="0"/>
+          <a:ext cx="0" cy="0"/>
+          <a:chOff x="0" y="0"/>
+          <a:chExt cx="0" cy="0"/>
+        </a:xfrm>
+      </p:grpSpPr>
+      <p:sp>
+        <p:nvSpPr>
+          <p:cNvPr id="2" name="Title 1"/>
+          <p:cNvSpPr>
+            <a:spLocks noGrp="1"/>
+          </p:cNvSpPr>
+          <p:nvPr>
+            <p:ph type="title"/>
+          </p:nvPr>
+        </p:nvSpPr>
+        <p:spPr/>
+        <p:txBody>
+          <a:bodyPr/>
+          <a:lstStyle/>
+          <a:p>
+            <a:endParaRPr lang="en-US"/>
+          </a:p>
+        </p:txBody>
+      </p:sp>
+      <p:sp>
+        <p:nvSpPr>
+          <p:cNvPr id="3" name="Content Placeholder 2"/>
+          <p:cNvSpPr>
+            <a:spLocks noGrp="1"/>
+          </p:cNvSpPr>
+          <p:nvPr>
+            <p:ph idx="1"/>
+          </p:nvPr>
+        </p:nvSpPr>
+        <p:spPr>
+          <a:xfrm>
+            <a:off x="684212" y="685801"/>
+            <a:ext cx="5919788" cy="1549400"/>
+          </a:xfrm>
+        </p:spPr>
+        <p:txBody>
+          <a:bodyPr>
+            <a:normAutofit/>
+          </a:bodyPr>
+          <a:lstStyle/>
+          <a:p>
+            <a:pPr marL="0" indent="0">
+              <a:buNone/>
+            </a:pPr>
+            <a:r>
+              <a:rPr lang="en-US" sz="4000" dirty="0" smtClean="0"/>
+              <a:t>KASKI </a:t>
+            </a:r>
+            <a:r>
+              <a:rPr lang="en-US" sz="4000" dirty="0" smtClean="0"/>
+              <a:t>UNCLEANED DATA </a:t>
+            </a:r>
+            <a:r>
+              <a:rPr lang="en-US" sz="4000" dirty="0" smtClean="0"/>
+              <a:t>FROM AREA 2:</a:t>
+            </a:r>
+          </a:p>
+        </p:txBody>
+      </p:sp>
+      <p:pic>
+        <p:nvPicPr>
+          <p:cNvPr id="4" name="Picture 3"/>
+          <p:cNvPicPr>
+            <a:picLocks noChangeAspect="1"/>
+          </p:cNvPicPr>
+          <p:nvPr/>
+        </p:nvPicPr>
+        <p:blipFill>
+          <a:blip r:embed="rId2"/>
+          <a:stretch>
+            <a:fillRect/>
+          </a:stretch>
+        </p:blipFill>
+        <p:spPr>
+          <a:xfrm>
+            <a:off x="332280" y="2047204"/>
+            <a:ext cx="11545911" cy="4810796"/>
+          </a:xfrm>
+          <a:prstGeom prst="rect">
+            <a:avLst/>
+          </a:prstGeom>
+        </p:spPr>
+      </p:pic>
+    </p:spTree>
+    <p:extLst>
+      <p:ext uri="{BB962C8B-B14F-4D97-AF65-F5344CB8AC3E}">
+        <p14:creationId xmlns:p14="http://schemas.microsoft.com/office/powerpoint/2010/main" val="845413533"/>
+      </p:ext>
+    </p:extLst>
+  </p:cSld>
+  <p:clrMapOvr>
+    <a:masterClrMapping/>
+  </p:clrMapOvr>
+  <p:timing>
+    <p:tnLst>
+      <p:par>
+        <p:cTn id="1" dur="indefinite" restart="never" nodeType="tmRoot">
+          <p:childTnLst>
+            <p:seq concurrent="1" nextAc="seek">
+              <p:cTn id="2" dur="indefinite" nodeType="mainSeq">
+                <p:childTnLst>
+                  <p:par>
+                    <p:cTn id="3" fill="hold">
+                      <p:stCondLst>
+                        <p:cond delay="indefinite"/>
+                      </p:stCondLst>
+                      <p:childTnLst>
+                        <p:par>
+                          <p:cTn id="4" fill="hold">
+                            <p:stCondLst>
+                              <p:cond delay="0"/>
+                            </p:stCondLst>
+                            <p:childTnLst>
+                              <p:par>
+                                <p:cTn id="5" presetID="14" presetClass="entr" presetSubtype="10" fill="hold" grpId="0" nodeType="clickEffect">
+                                  <p:stCondLst>
+                                    <p:cond delay="0"/>
+                                  </p:stCondLst>
+                                  <p:childTnLst>
+                                    <p:set>
+                                      <p:cBhvr>
+                                        <p:cTn id="6" dur="1" fill="hold">
+                                          <p:stCondLst>
+                                            <p:cond delay="0"/>
+                                          </p:stCondLst>
+                                        </p:cTn>
+                                        <p:tgtEl>
+                                          <p:spTgt spid="3">
+                                            <p:txEl>
+                                              <p:pRg st="0" end="0"/>
+                                            </p:txEl>
+                                          </p:spTgt>
+                                        </p:tgtEl>
+                                        <p:attrNameLst>
+                                          <p:attrName>style.visibility</p:attrName>
+                                        </p:attrNameLst>
+                                      </p:cBhvr>
+                                      <p:to>
+                                        <p:strVal val="visible"/>
+                                      </p:to>
+                                    </p:set>
+                                    <p:animEffect transition="in" filter="randombar(horizontal)">
+                                      <p:cBhvr>
+                                        <p:cTn id="7" dur="500"/>
+                                        <p:tgtEl>
+                                          <p:spTgt spid="3">
+                                            <p:txEl>
+                                              <p:pRg st="0" end="0"/>
+                                            </p:txEl>
+                                          </p:spTgt>
+                                        </p:tgtEl>
+                                      </p:cBhvr>
+                                    </p:animEffect>
+                                  </p:childTnLst>
+                                </p:cTn>
+                              </p:par>
+                            </p:childTnLst>
+                          </p:cTn>
+                        </p:par>
+                      </p:childTnLst>
+                    </p:cTn>
+                  </p:par>
+                </p:childTnLst>
+              </p:cTn>
+              <p:prevCondLst>
+                <p:cond evt="onPrev" delay="0">
+                  <p:tgtEl>
+                    <p:sldTgt/>
+                  </p:tgtEl>
+                </p:cond>
+              </p:prevCondLst>
+              <p:nextCondLst>
+                <p:cond evt="onNext" delay="0">
+                  <p:tgtEl>
+                    <p:sldTgt/>
+                  </p:tgtEl>
+                </p:cond>
+              </p:nextCondLst>
+            </p:seq>
+          </p:childTnLst>
+        </p:cTn>
+      </p:par>
+    </p:tnLst>
+    <p:bldLst>
+      <p:bldP spid="3" grpId="0" build="p"/>
+    </p:bldLst>
+  </p:timing>
+</p:sld>
+</file>
+
+<file path=ppt/slides/slide7.xml><?xml version="1.0" encoding="utf-8"?>
 <p:sld xmlns:a="http://schemas.openxmlformats.org/drawingml/2006/main" xmlns:r="http://schemas.openxmlformats.org/officeDocument/2006/relationships" xmlns:p="http://schemas.openxmlformats.org/presentationml/2006/main">
   <p:cSld>
     <p:spTree>
@@ -9079,7 +11314,7 @@
     </p:spTree>
     <p:extLst>
       <p:ext uri="{BB962C8B-B14F-4D97-AF65-F5344CB8AC3E}">
-        <p14:creationId xmlns:p14="http://schemas.microsoft.com/office/powerpoint/2010/main" val="845413533"/>
+        <p14:creationId xmlns:p14="http://schemas.microsoft.com/office/powerpoint/2010/main" val="3166119272"/>
       </p:ext>
     </p:extLst>
   </p:cSld>
@@ -9274,7 +11509,7 @@
 </p:sld>
 </file>
 
-<file path=ppt/slides/slide6.xml><?xml version="1.0" encoding="utf-8"?>
+<file path=ppt/slides/slide8.xml><?xml version="1.0" encoding="utf-8"?>
 <p:sld xmlns:a="http://schemas.openxmlformats.org/drawingml/2006/main" xmlns:r="http://schemas.openxmlformats.org/officeDocument/2006/relationships" xmlns:p="http://schemas.openxmlformats.org/presentationml/2006/main">
   <p:cSld>
     <p:spTree>
@@ -9462,7 +11697,7 @@
 </p:sld>
 </file>
 
-<file path=ppt/slides/slide7.xml><?xml version="1.0" encoding="utf-8"?>
+<file path=ppt/slides/slide9.xml><?xml version="1.0" encoding="utf-8"?>
 <p:sld xmlns:a="http://schemas.openxmlformats.org/drawingml/2006/main" xmlns:r="http://schemas.openxmlformats.org/officeDocument/2006/relationships" xmlns:p="http://schemas.openxmlformats.org/presentationml/2006/main">
   <p:cSld>
     <p:spTree>
@@ -9723,488 +11958,6 @@
                                         </p:tav>
                                       </p:tavLst>
                                     </p:anim>
-                                  </p:childTnLst>
-                                </p:cTn>
-                              </p:par>
-                            </p:childTnLst>
-                          </p:cTn>
-                        </p:par>
-                      </p:childTnLst>
-                    </p:cTn>
-                  </p:par>
-                </p:childTnLst>
-              </p:cTn>
-              <p:prevCondLst>
-                <p:cond evt="onPrev" delay="0">
-                  <p:tgtEl>
-                    <p:sldTgt/>
-                  </p:tgtEl>
-                </p:cond>
-              </p:prevCondLst>
-              <p:nextCondLst>
-                <p:cond evt="onNext" delay="0">
-                  <p:tgtEl>
-                    <p:sldTgt/>
-                  </p:tgtEl>
-                </p:cond>
-              </p:nextCondLst>
-            </p:seq>
-          </p:childTnLst>
-        </p:cTn>
-      </p:par>
-    </p:tnLst>
-    <p:bldLst>
-      <p:bldP spid="3" grpId="0" build="p"/>
-    </p:bldLst>
-  </p:timing>
-</p:sld>
-</file>
-
-<file path=ppt/slides/slide8.xml><?xml version="1.0" encoding="utf-8"?>
-<p:sld xmlns:a="http://schemas.openxmlformats.org/drawingml/2006/main" xmlns:r="http://schemas.openxmlformats.org/officeDocument/2006/relationships" xmlns:p="http://schemas.openxmlformats.org/presentationml/2006/main">
-  <p:cSld>
-    <p:spTree>
-      <p:nvGrpSpPr>
-        <p:cNvPr id="1" name=""/>
-        <p:cNvGrpSpPr/>
-        <p:nvPr/>
-      </p:nvGrpSpPr>
-      <p:grpSpPr>
-        <a:xfrm>
-          <a:off x="0" y="0"/>
-          <a:ext cx="0" cy="0"/>
-          <a:chOff x="0" y="0"/>
-          <a:chExt cx="0" cy="0"/>
-        </a:xfrm>
-      </p:grpSpPr>
-      <p:pic>
-        <p:nvPicPr>
-          <p:cNvPr id="4" name="Content Placeholder 3"/>
-          <p:cNvPicPr>
-            <a:picLocks noGrp="1" noChangeAspect="1"/>
-          </p:cNvPicPr>
-          <p:nvPr>
-            <p:ph idx="1"/>
-          </p:nvPr>
-        </p:nvPicPr>
-        <p:blipFill>
-          <a:blip r:embed="rId2">
-            <a:extLst>
-              <a:ext uri="{28A0092B-C50C-407E-A947-70E740481C1C}">
-                <a14:useLocalDpi xmlns:a14="http://schemas.microsoft.com/office/drawing/2010/main" val="0"/>
-              </a:ext>
-            </a:extLst>
-          </a:blip>
-          <a:stretch>
-            <a:fillRect/>
-          </a:stretch>
-        </p:blipFill>
-        <p:spPr>
-          <a:xfrm>
-            <a:off x="3050328" y="685800"/>
-            <a:ext cx="5962757" cy="5668818"/>
-          </a:xfrm>
-        </p:spPr>
-      </p:pic>
-    </p:spTree>
-    <p:extLst>
-      <p:ext uri="{BB962C8B-B14F-4D97-AF65-F5344CB8AC3E}">
-        <p14:creationId xmlns:p14="http://schemas.microsoft.com/office/powerpoint/2010/main" val="2907225602"/>
-      </p:ext>
-    </p:extLst>
-  </p:cSld>
-  <p:clrMapOvr>
-    <a:masterClrMapping/>
-  </p:clrMapOvr>
-  <p:timing>
-    <p:tnLst>
-      <p:par>
-        <p:cTn id="1" dur="indefinite" restart="never" nodeType="tmRoot">
-          <p:childTnLst>
-            <p:seq concurrent="1" nextAc="seek">
-              <p:cTn id="2" dur="indefinite" nodeType="mainSeq">
-                <p:childTnLst>
-                  <p:par>
-                    <p:cTn id="3" fill="hold">
-                      <p:stCondLst>
-                        <p:cond delay="indefinite"/>
-                      </p:stCondLst>
-                      <p:childTnLst>
-                        <p:par>
-                          <p:cTn id="4" fill="hold">
-                            <p:stCondLst>
-                              <p:cond delay="0"/>
-                            </p:stCondLst>
-                            <p:childTnLst>
-                              <p:par>
-                                <p:cTn id="5" presetID="53" presetClass="entr" presetSubtype="16" fill="hold" nodeType="clickEffect">
-                                  <p:stCondLst>
-                                    <p:cond delay="0"/>
-                                  </p:stCondLst>
-                                  <p:childTnLst>
-                                    <p:set>
-                                      <p:cBhvr>
-                                        <p:cTn id="6" dur="1" fill="hold">
-                                          <p:stCondLst>
-                                            <p:cond delay="0"/>
-                                          </p:stCondLst>
-                                        </p:cTn>
-                                        <p:tgtEl>
-                                          <p:spTgt spid="4"/>
-                                        </p:tgtEl>
-                                        <p:attrNameLst>
-                                          <p:attrName>style.visibility</p:attrName>
-                                        </p:attrNameLst>
-                                      </p:cBhvr>
-                                      <p:to>
-                                        <p:strVal val="visible"/>
-                                      </p:to>
-                                    </p:set>
-                                    <p:anim calcmode="lin" valueType="num">
-                                      <p:cBhvr>
-                                        <p:cTn id="7" dur="500" fill="hold"/>
-                                        <p:tgtEl>
-                                          <p:spTgt spid="4"/>
-                                        </p:tgtEl>
-                                        <p:attrNameLst>
-                                          <p:attrName>ppt_w</p:attrName>
-                                        </p:attrNameLst>
-                                      </p:cBhvr>
-                                      <p:tavLst>
-                                        <p:tav tm="0">
-                                          <p:val>
-                                            <p:fltVal val="0"/>
-                                          </p:val>
-                                        </p:tav>
-                                        <p:tav tm="100000">
-                                          <p:val>
-                                            <p:strVal val="#ppt_w"/>
-                                          </p:val>
-                                        </p:tav>
-                                      </p:tavLst>
-                                    </p:anim>
-                                    <p:anim calcmode="lin" valueType="num">
-                                      <p:cBhvr>
-                                        <p:cTn id="8" dur="500" fill="hold"/>
-                                        <p:tgtEl>
-                                          <p:spTgt spid="4"/>
-                                        </p:tgtEl>
-                                        <p:attrNameLst>
-                                          <p:attrName>ppt_h</p:attrName>
-                                        </p:attrNameLst>
-                                      </p:cBhvr>
-                                      <p:tavLst>
-                                        <p:tav tm="0">
-                                          <p:val>
-                                            <p:fltVal val="0"/>
-                                          </p:val>
-                                        </p:tav>
-                                        <p:tav tm="100000">
-                                          <p:val>
-                                            <p:strVal val="#ppt_h"/>
-                                          </p:val>
-                                        </p:tav>
-                                      </p:tavLst>
-                                    </p:anim>
-                                    <p:animEffect transition="in" filter="fade">
-                                      <p:cBhvr>
-                                        <p:cTn id="9" dur="500"/>
-                                        <p:tgtEl>
-                                          <p:spTgt spid="4"/>
-                                        </p:tgtEl>
-                                      </p:cBhvr>
-                                    </p:animEffect>
-                                  </p:childTnLst>
-                                </p:cTn>
-                              </p:par>
-                            </p:childTnLst>
-                          </p:cTn>
-                        </p:par>
-                      </p:childTnLst>
-                    </p:cTn>
-                  </p:par>
-                </p:childTnLst>
-              </p:cTn>
-              <p:prevCondLst>
-                <p:cond evt="onPrev" delay="0">
-                  <p:tgtEl>
-                    <p:sldTgt/>
-                  </p:tgtEl>
-                </p:cond>
-              </p:prevCondLst>
-              <p:nextCondLst>
-                <p:cond evt="onNext" delay="0">
-                  <p:tgtEl>
-                    <p:sldTgt/>
-                  </p:tgtEl>
-                </p:cond>
-              </p:nextCondLst>
-            </p:seq>
-          </p:childTnLst>
-        </p:cTn>
-      </p:par>
-    </p:tnLst>
-  </p:timing>
-</p:sld>
-</file>
-
-<file path=ppt/slides/slide9.xml><?xml version="1.0" encoding="utf-8"?>
-<p:sld xmlns:a="http://schemas.openxmlformats.org/drawingml/2006/main" xmlns:r="http://schemas.openxmlformats.org/officeDocument/2006/relationships" xmlns:p="http://schemas.openxmlformats.org/presentationml/2006/main">
-  <p:cSld>
-    <p:spTree>
-      <p:nvGrpSpPr>
-        <p:cNvPr id="1" name=""/>
-        <p:cNvGrpSpPr/>
-        <p:nvPr/>
-      </p:nvGrpSpPr>
-      <p:grpSpPr>
-        <a:xfrm>
-          <a:off x="0" y="0"/>
-          <a:ext cx="0" cy="0"/>
-          <a:chOff x="0" y="0"/>
-          <a:chExt cx="0" cy="0"/>
-        </a:xfrm>
-      </p:grpSpPr>
-      <p:sp>
-        <p:nvSpPr>
-          <p:cNvPr id="2" name="Title 1"/>
-          <p:cNvSpPr>
-            <a:spLocks noGrp="1"/>
-          </p:cNvSpPr>
-          <p:nvPr>
-            <p:ph type="title"/>
-          </p:nvPr>
-        </p:nvSpPr>
-        <p:spPr/>
-        <p:txBody>
-          <a:bodyPr/>
-          <a:lstStyle/>
-          <a:p>
-            <a:endParaRPr lang="en-US"/>
-          </a:p>
-        </p:txBody>
-      </p:sp>
-      <p:sp>
-        <p:nvSpPr>
-          <p:cNvPr id="3" name="Content Placeholder 2"/>
-          <p:cNvSpPr>
-            <a:spLocks noGrp="1"/>
-          </p:cNvSpPr>
-          <p:nvPr>
-            <p:ph idx="1"/>
-          </p:nvPr>
-        </p:nvSpPr>
-        <p:spPr>
-          <a:xfrm>
-            <a:off x="684212" y="685801"/>
-            <a:ext cx="3924733" cy="1549400"/>
-          </a:xfrm>
-        </p:spPr>
-        <p:txBody>
-          <a:bodyPr>
-            <a:normAutofit fontScale="92500" lnSpcReduction="20000"/>
-          </a:bodyPr>
-          <a:lstStyle/>
-          <a:p>
-            <a:pPr marL="0" indent="0">
-              <a:buNone/>
-            </a:pPr>
-            <a:r>
-              <a:rPr lang="en-US" sz="4000" dirty="0" smtClean="0"/>
-              <a:t>SYANGJYA DATA FROM AREA 1:</a:t>
-            </a:r>
-          </a:p>
-        </p:txBody>
-      </p:sp>
-      <p:pic>
-        <p:nvPicPr>
-          <p:cNvPr id="5" name="Picture 4"/>
-          <p:cNvPicPr>
-            <a:picLocks noChangeAspect="1"/>
-          </p:cNvPicPr>
-          <p:nvPr/>
-        </p:nvPicPr>
-        <p:blipFill>
-          <a:blip r:embed="rId2"/>
-          <a:stretch>
-            <a:fillRect/>
-          </a:stretch>
-        </p:blipFill>
-        <p:spPr>
-          <a:xfrm>
-            <a:off x="394492" y="2776196"/>
-            <a:ext cx="11403016" cy="2838846"/>
-          </a:xfrm>
-          <a:prstGeom prst="rect">
-            <a:avLst/>
-          </a:prstGeom>
-        </p:spPr>
-      </p:pic>
-    </p:spTree>
-    <p:extLst>
-      <p:ext uri="{BB962C8B-B14F-4D97-AF65-F5344CB8AC3E}">
-        <p14:creationId xmlns:p14="http://schemas.microsoft.com/office/powerpoint/2010/main" val="2653211240"/>
-      </p:ext>
-    </p:extLst>
-  </p:cSld>
-  <p:clrMapOvr>
-    <a:masterClrMapping/>
-  </p:clrMapOvr>
-  <p:timing>
-    <p:tnLst>
-      <p:par>
-        <p:cTn id="1" dur="indefinite" restart="never" nodeType="tmRoot">
-          <p:childTnLst>
-            <p:seq concurrent="1" nextAc="seek">
-              <p:cTn id="2" dur="indefinite" nodeType="mainSeq">
-                <p:childTnLst>
-                  <p:par>
-                    <p:cTn id="3" fill="hold">
-                      <p:stCondLst>
-                        <p:cond delay="indefinite"/>
-                      </p:stCondLst>
-                      <p:childTnLst>
-                        <p:par>
-                          <p:cTn id="4" fill="hold">
-                            <p:stCondLst>
-                              <p:cond delay="0"/>
-                            </p:stCondLst>
-                            <p:childTnLst>
-                              <p:par>
-                                <p:cTn id="5" presetID="2" presetClass="entr" presetSubtype="4" fill="hold" grpId="0" nodeType="clickEffect">
-                                  <p:stCondLst>
-                                    <p:cond delay="0"/>
-                                  </p:stCondLst>
-                                  <p:childTnLst>
-                                    <p:set>
-                                      <p:cBhvr>
-                                        <p:cTn id="6" dur="1" fill="hold">
-                                          <p:stCondLst>
-                                            <p:cond delay="0"/>
-                                          </p:stCondLst>
-                                        </p:cTn>
-                                        <p:tgtEl>
-                                          <p:spTgt spid="3">
-                                            <p:txEl>
-                                              <p:pRg st="0" end="0"/>
-                                            </p:txEl>
-                                          </p:spTgt>
-                                        </p:tgtEl>
-                                        <p:attrNameLst>
-                                          <p:attrName>style.visibility</p:attrName>
-                                        </p:attrNameLst>
-                                      </p:cBhvr>
-                                      <p:to>
-                                        <p:strVal val="visible"/>
-                                      </p:to>
-                                    </p:set>
-                                    <p:anim calcmode="lin" valueType="num">
-                                      <p:cBhvr additive="base">
-                                        <p:cTn id="7" dur="500" fill="hold"/>
-                                        <p:tgtEl>
-                                          <p:spTgt spid="3">
-                                            <p:txEl>
-                                              <p:pRg st="0" end="0"/>
-                                            </p:txEl>
-                                          </p:spTgt>
-                                        </p:tgtEl>
-                                        <p:attrNameLst>
-                                          <p:attrName>ppt_x</p:attrName>
-                                        </p:attrNameLst>
-                                      </p:cBhvr>
-                                      <p:tavLst>
-                                        <p:tav tm="0">
-                                          <p:val>
-                                            <p:strVal val="#ppt_x"/>
-                                          </p:val>
-                                        </p:tav>
-                                        <p:tav tm="100000">
-                                          <p:val>
-                                            <p:strVal val="#ppt_x"/>
-                                          </p:val>
-                                        </p:tav>
-                                      </p:tavLst>
-                                    </p:anim>
-                                    <p:anim calcmode="lin" valueType="num">
-                                      <p:cBhvr additive="base">
-                                        <p:cTn id="8" dur="500" fill="hold"/>
-                                        <p:tgtEl>
-                                          <p:spTgt spid="3">
-                                            <p:txEl>
-                                              <p:pRg st="0" end="0"/>
-                                            </p:txEl>
-                                          </p:spTgt>
-                                        </p:tgtEl>
-                                        <p:attrNameLst>
-                                          <p:attrName>ppt_y</p:attrName>
-                                        </p:attrNameLst>
-                                      </p:cBhvr>
-                                      <p:tavLst>
-                                        <p:tav tm="0">
-                                          <p:val>
-                                            <p:strVal val="1+#ppt_h/2"/>
-                                          </p:val>
-                                        </p:tav>
-                                        <p:tav tm="100000">
-                                          <p:val>
-                                            <p:strVal val="#ppt_y"/>
-                                          </p:val>
-                                        </p:tav>
-                                      </p:tavLst>
-                                    </p:anim>
-                                  </p:childTnLst>
-                                </p:cTn>
-                              </p:par>
-                            </p:childTnLst>
-                          </p:cTn>
-                        </p:par>
-                      </p:childTnLst>
-                    </p:cTn>
-                  </p:par>
-                  <p:par>
-                    <p:cTn id="9" fill="hold">
-                      <p:stCondLst>
-                        <p:cond delay="indefinite"/>
-                      </p:stCondLst>
-                      <p:childTnLst>
-                        <p:par>
-                          <p:cTn id="10" fill="hold">
-                            <p:stCondLst>
-                              <p:cond delay="0"/>
-                            </p:stCondLst>
-                            <p:childTnLst>
-                              <p:par>
-                                <p:cTn id="11" presetID="22" presetClass="entr" presetSubtype="4" fill="hold" nodeType="clickEffect">
-                                  <p:stCondLst>
-                                    <p:cond delay="0"/>
-                                  </p:stCondLst>
-                                  <p:childTnLst>
-                                    <p:set>
-                                      <p:cBhvr>
-                                        <p:cTn id="12" dur="1" fill="hold">
-                                          <p:stCondLst>
-                                            <p:cond delay="0"/>
-                                          </p:stCondLst>
-                                        </p:cTn>
-                                        <p:tgtEl>
-                                          <p:spTgt spid="5"/>
-                                        </p:tgtEl>
-                                        <p:attrNameLst>
-                                          <p:attrName>style.visibility</p:attrName>
-                                        </p:attrNameLst>
-                                      </p:cBhvr>
-                                      <p:to>
-                                        <p:strVal val="visible"/>
-                                      </p:to>
-                                    </p:set>
-                                    <p:animEffect transition="in" filter="wipe(down)">
-                                      <p:cBhvr>
-                                        <p:cTn id="13" dur="500"/>
-                                        <p:tgtEl>
-                                          <p:spTgt spid="5"/>
-                                        </p:tgtEl>
-                                      </p:cBhvr>
-                                    </p:animEffect>
                                   </p:childTnLst>
                                 </p:cTn>
                               </p:par>
